--- a/LCO_Brief_Placeholder/Deliverables/lco-briefing.pptx
+++ b/LCO_Brief_Placeholder/Deliverables/lco-briefing.pptx
@@ -13,13 +13,13 @@
     <p:sldId id="257" r:id="rId4"/>
     <p:sldId id="261" r:id="rId5"/>
     <p:sldId id="262" r:id="rId6"/>
-    <p:sldId id="282" r:id="rId7"/>
-    <p:sldId id="281" r:id="rId8"/>
-    <p:sldId id="264" r:id="rId9"/>
-    <p:sldId id="265" r:id="rId10"/>
-    <p:sldId id="266" r:id="rId11"/>
-    <p:sldId id="267" r:id="rId12"/>
-    <p:sldId id="263" r:id="rId13"/>
+    <p:sldId id="263" r:id="rId7"/>
+    <p:sldId id="282" r:id="rId8"/>
+    <p:sldId id="281" r:id="rId9"/>
+    <p:sldId id="264" r:id="rId10"/>
+    <p:sldId id="265" r:id="rId11"/>
+    <p:sldId id="266" r:id="rId12"/>
+    <p:sldId id="267" r:id="rId13"/>
     <p:sldId id="268" r:id="rId14"/>
     <p:sldId id="270" r:id="rId15"/>
     <p:sldId id="278" r:id="rId16"/>
@@ -11089,8 +11089,8 @@
     <dgm:cxn modelId="{E84E829F-2A18-4F87-93C2-C40146B61A23}" type="presOf" srcId="{14D27D49-E5F3-4F3F-984A-B52B24A2DB40}" destId="{3A116811-B1D9-4E82-AD9A-B2A2DCFBC323}" srcOrd="0" destOrd="0" presId="urn:microsoft.com/office/officeart/2005/8/layout/list1"/>
     <dgm:cxn modelId="{A139FB11-8D91-4F75-A30F-CBF42A656369}" type="presOf" srcId="{7383A405-BE4C-4E48-93A6-5B2CF0A4B328}" destId="{BD00AF8C-DE37-45F1-9926-46855B42741D}" srcOrd="0" destOrd="0" presId="urn:microsoft.com/office/officeart/2005/8/layout/list1"/>
     <dgm:cxn modelId="{F3DDFA0B-D021-4826-B135-04B9CF72B635}" type="presOf" srcId="{50EB82D2-2654-4B45-A0D7-AF222CA21AAA}" destId="{3A116811-B1D9-4E82-AD9A-B2A2DCFBC323}" srcOrd="0" destOrd="1" presId="urn:microsoft.com/office/officeart/2005/8/layout/list1"/>
+    <dgm:cxn modelId="{8E84E034-F563-49DB-B284-74B6625F03B7}" type="presOf" srcId="{2589634E-7C13-42BC-84FA-9A195F1BA3C6}" destId="{3A116811-B1D9-4E82-AD9A-B2A2DCFBC323}" srcOrd="0" destOrd="3" presId="urn:microsoft.com/office/officeart/2005/8/layout/list1"/>
     <dgm:cxn modelId="{20658C95-F1E3-463B-B131-52D6E713394A}" srcId="{F2732604-F7C3-4D68-B3B5-1BB13A09D443}" destId="{14D27D49-E5F3-4F3F-984A-B52B24A2DB40}" srcOrd="0" destOrd="0" parTransId="{7F1E842A-3D15-4B67-9685-FE3A7503130D}" sibTransId="{8C3EA81B-DD6A-4439-80E1-FA4BFA6DF165}"/>
-    <dgm:cxn modelId="{8E84E034-F563-49DB-B284-74B6625F03B7}" type="presOf" srcId="{2589634E-7C13-42BC-84FA-9A195F1BA3C6}" destId="{3A116811-B1D9-4E82-AD9A-B2A2DCFBC323}" srcOrd="0" destOrd="3" presId="urn:microsoft.com/office/officeart/2005/8/layout/list1"/>
     <dgm:cxn modelId="{6DF3D97F-AA50-4811-BA2E-8CD4EAB17070}" type="presOf" srcId="{1E61FFB7-0174-43A6-9382-96B23B9D3ADD}" destId="{3A116811-B1D9-4E82-AD9A-B2A2DCFBC323}" srcOrd="0" destOrd="2" presId="urn:microsoft.com/office/officeart/2005/8/layout/list1"/>
     <dgm:cxn modelId="{03D091C4-C9E9-46DA-8692-44BC4AEE3390}" type="presParOf" srcId="{BD00AF8C-DE37-45F1-9926-46855B42741D}" destId="{3F6AE614-4A0E-4C48-84FE-EF34E929A1E2}" srcOrd="0" destOrd="0" presId="urn:microsoft.com/office/officeart/2005/8/layout/list1"/>
     <dgm:cxn modelId="{BEBC0E49-BA2D-4721-B929-0E3109FDAD4E}" type="presParOf" srcId="{3F6AE614-4A0E-4C48-84FE-EF34E929A1E2}" destId="{51939834-C2D2-4E5F-9E62-17F89C09EBE9}" srcOrd="0" destOrd="0" presId="urn:microsoft.com/office/officeart/2005/8/layout/list1"/>
@@ -11616,7 +11616,7 @@
   <dgm:whole/>
   <dgm:extLst>
     <a:ext uri="http://schemas.microsoft.com/office/drawing/2008/diagram">
-      <dsp:dataModelExt xmlns:dsp="http://schemas.microsoft.com/office/drawing/2008/diagram" xmlns="" relId="rId7" minVer="http://schemas.openxmlformats.org/drawingml/2006/diagram"/>
+      <dsp:dataModelExt xmlns:dsp="http://schemas.microsoft.com/office/drawing/2008/diagram" xmlns="" relId="rId8" minVer="http://schemas.openxmlformats.org/drawingml/2006/diagram"/>
     </a:ext>
   </dgm:extLst>
 </dgm:dataModel>
@@ -12429,7 +12429,7 @@
   <dgm:whole/>
   <dgm:extLst>
     <a:ext uri="http://schemas.microsoft.com/office/drawing/2008/diagram">
-      <dsp:dataModelExt xmlns:dsp="http://schemas.microsoft.com/office/drawing/2008/diagram" xmlns="" relId="rId7" minVer="http://schemas.openxmlformats.org/drawingml/2006/diagram"/>
+      <dsp:dataModelExt xmlns:dsp="http://schemas.microsoft.com/office/drawing/2008/diagram" xmlns="" relId="rId8" minVer="http://schemas.openxmlformats.org/drawingml/2006/diagram"/>
     </a:ext>
   </dgm:extLst>
 </dgm:dataModel>
@@ -13781,7 +13781,7 @@
   <dgm:whole/>
   <dgm:extLst>
     <a:ext uri="http://schemas.microsoft.com/office/drawing/2008/diagram">
-      <dsp:dataModelExt xmlns:dsp="http://schemas.microsoft.com/office/drawing/2008/diagram" xmlns="" relId="rId6" minVer="http://schemas.openxmlformats.org/drawingml/2006/diagram"/>
+      <dsp:dataModelExt xmlns:dsp="http://schemas.microsoft.com/office/drawing/2008/diagram" xmlns="" relId="rId7" minVer="http://schemas.openxmlformats.org/drawingml/2006/diagram"/>
     </a:ext>
   </dgm:extLst>
 </dgm:dataModel>
@@ -14397,10 +14397,9 @@
         <a:lstStyle/>
         <a:p>
           <a:r>
-            <a:rPr lang="en-US" altLang="zh-CN" b="1" smtClean="0"/>
+            <a:rPr lang="en-US" altLang="zh-CN" b="1" dirty="0" smtClean="0"/>
             <a:t>Database access response time</a:t>
           </a:r>
-          <a:endParaRPr lang="en-US" altLang="zh-CN" b="1" dirty="0" smtClean="0"/>
         </a:p>
       </dgm:t>
     </dgm:pt>
@@ -14434,10 +14433,17 @@
         <a:lstStyle/>
         <a:p>
           <a:r>
-            <a:rPr lang="en-US" altLang="zh-CN" smtClean="0"/>
-            <a:t>The system shall provide access to the legacy course catalog database with no more than a 10 second latency.</a:t>
+            <a:rPr lang="en-US" altLang="zh-CN" dirty="0" smtClean="0"/>
+            <a:t>The system shall provide access to the legacy </a:t>
           </a:r>
-          <a:endParaRPr lang="en-US" altLang="zh-CN" dirty="0" smtClean="0"/>
+          <a:r>
+            <a:rPr lang="en-US" altLang="zh-CN" dirty="0" smtClean="0"/>
+            <a:t>route </a:t>
+          </a:r>
+          <a:r>
+            <a:rPr lang="en-US" altLang="zh-CN" dirty="0" smtClean="0"/>
+            <a:t>catalog database with no more than a 10 second latency.</a:t>
+          </a:r>
         </a:p>
       </dgm:t>
     </dgm:pt>
@@ -14699,7 +14705,7 @@
   <dgm:whole/>
   <dgm:extLst>
     <a:ext uri="http://schemas.microsoft.com/office/drawing/2008/diagram">
-      <dsp:dataModelExt xmlns:dsp="http://schemas.microsoft.com/office/drawing/2008/diagram" xmlns="" relId="rId6" minVer="http://schemas.openxmlformats.org/drawingml/2006/diagram"/>
+      <dsp:dataModelExt xmlns:dsp="http://schemas.microsoft.com/office/drawing/2008/diagram" xmlns="" relId="rId7" minVer="http://schemas.openxmlformats.org/drawingml/2006/diagram"/>
     </a:ext>
   </dgm:extLst>
 </dgm:dataModel>
@@ -15251,8 +15257,8 @@
     <dgm:cxn modelId="{D2BA6725-F19F-4827-859D-9472CE6BBB8F}" type="presOf" srcId="{FDD5F494-38C4-47C6-9D19-54B7EF83EB7F}" destId="{98AA630D-1984-4009-B657-D0BACFA95942}" srcOrd="0" destOrd="1" presId="urn:microsoft.com/office/officeart/2005/8/layout/list1"/>
     <dgm:cxn modelId="{D97E62C6-8D9A-443A-BFCB-8CEE0E11D846}" type="presOf" srcId="{5192AE29-7FE1-46B9-B4AE-5F53525BC39C}" destId="{3C31FDD6-7F16-434F-B243-AE5D88E32B3E}" srcOrd="0" destOrd="1" presId="urn:microsoft.com/office/officeart/2005/8/layout/list1"/>
     <dgm:cxn modelId="{83B78AC2-C15B-48B5-B3D2-9AB0BD9FE476}" type="presOf" srcId="{00D90CAB-0A3C-4687-A3F0-9EEA2287548E}" destId="{901B3937-9BCF-431A-9EEE-53FCA527231D}" srcOrd="1" destOrd="0" presId="urn:microsoft.com/office/officeart/2005/8/layout/list1"/>
+    <dgm:cxn modelId="{CC28BA38-9AC2-44D2-8408-AACD50047EA2}" srcId="{6ED76C86-54AA-47F4-AF65-FF62D01F400A}" destId="{5192AE29-7FE1-46B9-B4AE-5F53525BC39C}" srcOrd="1" destOrd="0" parTransId="{ED868FB3-D35D-4C81-A94A-2A82A2C5A809}" sibTransId="{6D755FD5-C975-471B-AA90-0EDD25F3CFC5}"/>
     <dgm:cxn modelId="{2415D1E8-1A20-4B12-80A8-780BD1F96BE0}" srcId="{B584FA2E-0FF8-4ABE-A73B-DF5198A9E76D}" destId="{FDD5F494-38C4-47C6-9D19-54B7EF83EB7F}" srcOrd="1" destOrd="0" parTransId="{828613DB-F8FC-4AF5-88F4-F064269CD231}" sibTransId="{AB888C33-C767-4D2B-B785-E4C671C5FF66}"/>
-    <dgm:cxn modelId="{CC28BA38-9AC2-44D2-8408-AACD50047EA2}" srcId="{6ED76C86-54AA-47F4-AF65-FF62D01F400A}" destId="{5192AE29-7FE1-46B9-B4AE-5F53525BC39C}" srcOrd="1" destOrd="0" parTransId="{ED868FB3-D35D-4C81-A94A-2A82A2C5A809}" sibTransId="{6D755FD5-C975-471B-AA90-0EDD25F3CFC5}"/>
     <dgm:cxn modelId="{162BB373-E4C2-41F8-ABEA-EE0809807D86}" type="presOf" srcId="{00D90CAB-0A3C-4687-A3F0-9EEA2287548E}" destId="{D57D8A87-7C2D-4768-9D0D-C915418DA2C8}" srcOrd="0" destOrd="0" presId="urn:microsoft.com/office/officeart/2005/8/layout/list1"/>
     <dgm:cxn modelId="{11ECCFD5-9BF4-4C2D-BEAA-4BD0FFCC10B0}" type="presOf" srcId="{DFFD7BD3-F7E8-4033-88CB-C40C5111C22F}" destId="{3C31FDD6-7F16-434F-B243-AE5D88E32B3E}" srcOrd="0" destOrd="0" presId="urn:microsoft.com/office/officeart/2005/8/layout/list1"/>
     <dgm:cxn modelId="{9C4D885C-0EED-4251-83C3-39EF8AA4D27D}" type="presParOf" srcId="{3C869451-9766-4F5C-B144-00BC10184BA0}" destId="{73F81C09-E695-4FA2-A0E1-06A7330BD841}" srcOrd="0" destOrd="0" presId="urn:microsoft.com/office/officeart/2005/8/layout/list1"/>
@@ -16080,9 +16086,13 @@
         <a:p>
           <a:r>
             <a:rPr lang="en-US" smtClean="0"/>
-            <a:t>Much like the process at the end of each phase, requirements will be assessed at the end and all throughout the iterations until release. If changes in requirements are required mid iteration they will be addressed when needed. </a:t>
+            <a:t>Much like the process at the end of each phase, requirements will be assessed at the end and all throughout the iterations until release. </a:t>
           </a:r>
-          <a:endParaRPr lang="en-US"/>
+          <a:r>
+            <a:rPr lang="en-US" dirty="0" smtClean="0"/>
+            <a:t>If changes in requirements are required mid iteration they will be addressed when needed. </a:t>
+          </a:r>
+          <a:endParaRPr lang="en-US" dirty="0"/>
         </a:p>
       </dgm:t>
     </dgm:pt>
@@ -20388,10 +20398,9 @@
             <a:buChar char="••"/>
           </a:pPr>
           <a:r>
-            <a:rPr lang="en-US" altLang="zh-CN" sz="2000" b="1" kern="1200" smtClean="0"/>
+            <a:rPr lang="en-US" altLang="zh-CN" sz="2000" b="1" kern="1200" dirty="0" smtClean="0"/>
             <a:t>Database access response time</a:t>
           </a:r>
-          <a:endParaRPr lang="en-US" altLang="zh-CN" sz="2000" b="1" kern="1200" dirty="0" smtClean="0"/>
         </a:p>
         <a:p>
           <a:pPr marL="228600" lvl="1" indent="-228600" algn="l" defTabSz="889000">
@@ -20407,10 +20416,17 @@
             <a:buChar char="••"/>
           </a:pPr>
           <a:r>
-            <a:rPr lang="en-US" altLang="zh-CN" sz="2000" kern="1200" smtClean="0"/>
-            <a:t>The system shall provide access to the legacy course catalog database with no more than a 10 second latency.</a:t>
+            <a:rPr lang="en-US" altLang="zh-CN" sz="2000" kern="1200" dirty="0" smtClean="0"/>
+            <a:t>The system shall provide access to the legacy </a:t>
           </a:r>
-          <a:endParaRPr lang="en-US" altLang="zh-CN" sz="2000" kern="1200" dirty="0" smtClean="0"/>
+          <a:r>
+            <a:rPr lang="en-US" altLang="zh-CN" sz="2000" kern="1200" dirty="0" smtClean="0"/>
+            <a:t>route </a:t>
+          </a:r>
+          <a:r>
+            <a:rPr lang="en-US" altLang="zh-CN" sz="2000" kern="1200" dirty="0" smtClean="0"/>
+            <a:t>catalog database with no more than a 10 second latency.</a:t>
+          </a:r>
         </a:p>
         <a:p>
           <a:pPr marL="228600" lvl="1" indent="-228600" algn="l" defTabSz="889000">
@@ -21880,9 +21896,13 @@
           </a:pPr>
           <a:r>
             <a:rPr lang="en-US" sz="2300" kern="1200" smtClean="0"/>
-            <a:t>Much like the process at the end of each phase, requirements will be assessed at the end and all throughout the iterations until release. If changes in requirements are required mid iteration they will be addressed when needed. </a:t>
+            <a:t>Much like the process at the end of each phase, requirements will be assessed at the end and all throughout the iterations until release. </a:t>
           </a:r>
-          <a:endParaRPr lang="en-US" sz="2300" kern="1200"/>
+          <a:r>
+            <a:rPr lang="en-US" sz="2300" kern="1200" dirty="0" smtClean="0"/>
+            <a:t>If changes in requirements are required mid iteration they will be addressed when needed. </a:t>
+          </a:r>
+          <a:endParaRPr lang="en-US" sz="2300" kern="1200" dirty="0"/>
         </a:p>
       </dsp:txBody>
       <dsp:txXfrm>
@@ -40431,6 +40451,252 @@
           <a:bodyPr/>
           <a:lstStyle/>
           <a:p>
+            <a:fld id="{84F354D4-1058-47E6-822B-B270E01C7F3F}" type="slidenum">
+              <a:rPr lang="en-US"/>
+              <a:pPr/>
+              <a:t>16</a:t>
+            </a:fld>
+            <a:endParaRPr lang="en-US"/>
+          </a:p>
+        </p:txBody>
+      </p:sp>
+      <p:sp>
+        <p:nvSpPr>
+          <p:cNvPr id="19457" name="Rectangle 1"/>
+          <p:cNvSpPr txBox="1">
+            <a:spLocks noGrp="1" noRot="1" noChangeAspect="1" noChangeArrowheads="1"/>
+          </p:cNvSpPr>
+          <p:nvPr>
+            <p:ph type="sldImg"/>
+          </p:nvPr>
+        </p:nvSpPr>
+        <p:spPr bwMode="auto">
+          <a:xfrm>
+            <a:off x="1143000" y="693738"/>
+            <a:ext cx="4572000" cy="3429000"/>
+          </a:xfrm>
+          <a:prstGeom prst="rect">
+            <a:avLst/>
+          </a:prstGeom>
+          <a:solidFill>
+            <a:srgbClr val="FFFFFF"/>
+          </a:solidFill>
+          <a:ln>
+            <a:solidFill>
+              <a:srgbClr val="000000"/>
+            </a:solidFill>
+            <a:miter lim="800000"/>
+            <a:headEnd/>
+            <a:tailEnd/>
+          </a:ln>
+        </p:spPr>
+      </p:sp>
+      <p:sp>
+        <p:nvSpPr>
+          <p:cNvPr id="19458" name="Rectangle 2"/>
+          <p:cNvSpPr txBox="1">
+            <a:spLocks noGrp="1" noChangeArrowheads="1"/>
+          </p:cNvSpPr>
+          <p:nvPr>
+            <p:ph type="body" idx="1"/>
+          </p:nvPr>
+        </p:nvSpPr>
+        <p:spPr bwMode="auto">
+          <a:xfrm>
+            <a:off x="686360" y="4342535"/>
+            <a:ext cx="5486681" cy="4114511"/>
+          </a:xfrm>
+          <a:prstGeom prst="rect">
+            <a:avLst/>
+          </a:prstGeom>
+          <a:noFill/>
+          <a:ln>
+            <a:round/>
+            <a:headEnd/>
+            <a:tailEnd/>
+          </a:ln>
+        </p:spPr>
+        <p:txBody>
+          <a:bodyPr wrap="none" anchor="ctr"/>
+          <a:lstStyle/>
+          <a:p>
+            <a:endParaRPr lang="en-US"/>
+          </a:p>
+        </p:txBody>
+      </p:sp>
+    </p:spTree>
+  </p:cSld>
+  <p:clrMapOvr>
+    <a:masterClrMapping/>
+  </p:clrMapOvr>
+</p:notes>
+</file>
+
+<file path=ppt/notesSlides/notesSlide11.xml><?xml version="1.0" encoding="utf-8"?>
+<p:notes xmlns:a="http://schemas.openxmlformats.org/drawingml/2006/main" xmlns:r="http://schemas.openxmlformats.org/officeDocument/2006/relationships" xmlns:p="http://schemas.openxmlformats.org/presentationml/2006/main">
+  <p:cSld>
+    <p:bg>
+      <p:bgPr>
+        <a:solidFill>
+          <a:srgbClr val="FFFFFF"/>
+        </a:solidFill>
+        <a:effectLst/>
+      </p:bgPr>
+    </p:bg>
+    <p:spTree>
+      <p:nvGrpSpPr>
+        <p:cNvPr id="1" name=""/>
+        <p:cNvGrpSpPr/>
+        <p:nvPr/>
+      </p:nvGrpSpPr>
+      <p:grpSpPr>
+        <a:xfrm>
+          <a:off x="0" y="0"/>
+          <a:ext cx="0" cy="0"/>
+          <a:chOff x="0" y="0"/>
+          <a:chExt cx="0" cy="0"/>
+        </a:xfrm>
+      </p:grpSpPr>
+      <p:sp>
+        <p:nvSpPr>
+          <p:cNvPr id="7" name="Rectangle 6"/>
+          <p:cNvSpPr>
+            <a:spLocks noGrp="1" noChangeArrowheads="1"/>
+          </p:cNvSpPr>
+          <p:nvPr>
+            <p:ph type="sldNum"/>
+          </p:nvPr>
+        </p:nvSpPr>
+        <p:spPr>
+          <a:ln/>
+        </p:spPr>
+        <p:txBody>
+          <a:bodyPr/>
+          <a:lstStyle/>
+          <a:p>
+            <a:fld id="{F64DA0EC-78EA-4A65-B306-5B730F9A8279}" type="slidenum">
+              <a:rPr lang="en-US"/>
+              <a:pPr/>
+              <a:t>17</a:t>
+            </a:fld>
+            <a:endParaRPr lang="en-US"/>
+          </a:p>
+        </p:txBody>
+      </p:sp>
+      <p:sp>
+        <p:nvSpPr>
+          <p:cNvPr id="17409" name="Rectangle 1"/>
+          <p:cNvSpPr txBox="1">
+            <a:spLocks noGrp="1" noRot="1" noChangeAspect="1" noChangeArrowheads="1"/>
+          </p:cNvSpPr>
+          <p:nvPr>
+            <p:ph type="sldImg"/>
+          </p:nvPr>
+        </p:nvSpPr>
+        <p:spPr bwMode="auto">
+          <a:xfrm>
+            <a:off x="1143000" y="693738"/>
+            <a:ext cx="4572000" cy="3429000"/>
+          </a:xfrm>
+          <a:prstGeom prst="rect">
+            <a:avLst/>
+          </a:prstGeom>
+          <a:solidFill>
+            <a:srgbClr val="FFFFFF"/>
+          </a:solidFill>
+          <a:ln>
+            <a:solidFill>
+              <a:srgbClr val="000000"/>
+            </a:solidFill>
+            <a:miter lim="800000"/>
+            <a:headEnd/>
+            <a:tailEnd/>
+          </a:ln>
+        </p:spPr>
+      </p:sp>
+      <p:sp>
+        <p:nvSpPr>
+          <p:cNvPr id="17410" name="Rectangle 2"/>
+          <p:cNvSpPr txBox="1">
+            <a:spLocks noGrp="1" noChangeArrowheads="1"/>
+          </p:cNvSpPr>
+          <p:nvPr>
+            <p:ph type="body" idx="1"/>
+          </p:nvPr>
+        </p:nvSpPr>
+        <p:spPr bwMode="auto">
+          <a:xfrm>
+            <a:off x="686360" y="4342535"/>
+            <a:ext cx="5486681" cy="4114511"/>
+          </a:xfrm>
+          <a:prstGeom prst="rect">
+            <a:avLst/>
+          </a:prstGeom>
+          <a:noFill/>
+          <a:ln>
+            <a:round/>
+            <a:headEnd/>
+            <a:tailEnd/>
+          </a:ln>
+        </p:spPr>
+        <p:txBody>
+          <a:bodyPr wrap="none" anchor="ctr"/>
+          <a:lstStyle/>
+          <a:p>
+            <a:endParaRPr lang="en-US"/>
+          </a:p>
+        </p:txBody>
+      </p:sp>
+    </p:spTree>
+  </p:cSld>
+  <p:clrMapOvr>
+    <a:masterClrMapping/>
+  </p:clrMapOvr>
+</p:notes>
+</file>
+
+<file path=ppt/notesSlides/notesSlide12.xml><?xml version="1.0" encoding="utf-8"?>
+<p:notes xmlns:a="http://schemas.openxmlformats.org/drawingml/2006/main" xmlns:r="http://schemas.openxmlformats.org/officeDocument/2006/relationships" xmlns:p="http://schemas.openxmlformats.org/presentationml/2006/main">
+  <p:cSld>
+    <p:bg>
+      <p:bgPr>
+        <a:solidFill>
+          <a:srgbClr val="FFFFFF"/>
+        </a:solidFill>
+        <a:effectLst/>
+      </p:bgPr>
+    </p:bg>
+    <p:spTree>
+      <p:nvGrpSpPr>
+        <p:cNvPr id="1" name=""/>
+        <p:cNvGrpSpPr/>
+        <p:nvPr/>
+      </p:nvGrpSpPr>
+      <p:grpSpPr>
+        <a:xfrm>
+          <a:off x="0" y="0"/>
+          <a:ext cx="0" cy="0"/>
+          <a:chOff x="0" y="0"/>
+          <a:chExt cx="0" cy="0"/>
+        </a:xfrm>
+      </p:grpSpPr>
+      <p:sp>
+        <p:nvSpPr>
+          <p:cNvPr id="7" name="Rectangle 6"/>
+          <p:cNvSpPr>
+            <a:spLocks noGrp="1" noChangeArrowheads="1"/>
+          </p:cNvSpPr>
+          <p:nvPr>
+            <p:ph type="sldNum"/>
+          </p:nvPr>
+        </p:nvSpPr>
+        <p:spPr>
+          <a:ln/>
+        </p:spPr>
+        <p:txBody>
+          <a:bodyPr/>
+          <a:lstStyle/>
+          <a:p>
             <a:fld id="{7BA0123D-32C7-4DB6-AFF6-A12E45A91046}" type="slidenum">
               <a:rPr lang="en-US"/>
               <a:pPr/>
@@ -40512,7 +40778,7 @@
 </p:notes>
 </file>
 
-<file path=ppt/notesSlides/notesSlide11.xml><?xml version="1.0" encoding="utf-8"?>
+<file path=ppt/notesSlides/notesSlide13.xml><?xml version="1.0" encoding="utf-8"?>
 <p:notes xmlns:a="http://schemas.openxmlformats.org/drawingml/2006/main" xmlns:r="http://schemas.openxmlformats.org/officeDocument/2006/relationships" xmlns:p="http://schemas.openxmlformats.org/presentationml/2006/main">
   <p:cSld>
     <p:bg>
@@ -40720,14 +40986,6 @@
 <file path=ppt/notesSlides/notesSlide3.xml><?xml version="1.0" encoding="utf-8"?>
 <p:notes xmlns:a="http://schemas.openxmlformats.org/drawingml/2006/main" xmlns:r="http://schemas.openxmlformats.org/officeDocument/2006/relationships" xmlns:p="http://schemas.openxmlformats.org/presentationml/2006/main">
   <p:cSld>
-    <p:bg>
-      <p:bgPr>
-        <a:solidFill>
-          <a:srgbClr val="FFFFFF"/>
-        </a:solidFill>
-        <a:effectLst/>
-      </p:bgPr>
-    </p:bg>
     <p:spTree>
       <p:nvGrpSpPr>
         <p:cNvPr id="1" name=""/>
@@ -40744,90 +41002,73 @@
       </p:grpSpPr>
       <p:sp>
         <p:nvSpPr>
-          <p:cNvPr id="7" name="Rectangle 6"/>
+          <p:cNvPr id="2" name="Slide Image Placeholder 1"/>
           <p:cNvSpPr>
-            <a:spLocks noGrp="1" noChangeArrowheads="1"/>
+            <a:spLocks noGrp="1" noRot="1" noChangeAspect="1"/>
           </p:cNvSpPr>
           <p:nvPr>
-            <p:ph type="sldNum"/>
+            <p:ph type="sldImg"/>
           </p:nvPr>
         </p:nvSpPr>
-        <p:spPr>
-          <a:ln/>
-        </p:spPr>
+        <p:spPr/>
+      </p:sp>
+      <p:sp>
+        <p:nvSpPr>
+          <p:cNvPr id="3" name="Notes Placeholder 2"/>
+          <p:cNvSpPr>
+            <a:spLocks noGrp="1"/>
+          </p:cNvSpPr>
+          <p:nvPr>
+            <p:ph type="body" idx="1"/>
+          </p:nvPr>
+        </p:nvSpPr>
+        <p:spPr/>
         <p:txBody>
-          <a:bodyPr/>
+          <a:bodyPr>
+            <a:normAutofit/>
+          </a:bodyPr>
           <a:lstStyle/>
           <a:p>
-            <a:fld id="{7337F55F-CCE5-458C-99A9-7577E7CE3829}" type="slidenum">
-              <a:rPr lang="en-US"/>
-              <a:pPr/>
-              <a:t>6</a:t>
-            </a:fld>
-            <a:endParaRPr lang="en-US"/>
+            <a:r>
+              <a:rPr lang="en-US" dirty="0" smtClean="0"/>
+              <a:t>Can make the goals as one: Check bus status; make all use cases use one model, have different texts and flows for each; use case model =</a:t>
+            </a:r>
+            <a:r>
+              <a:rPr lang="en-US" baseline="0" dirty="0" smtClean="0"/>
+              <a:t> primary source for functional </a:t>
+            </a:r>
+            <a:r>
+              <a:rPr lang="en-US" baseline="0" dirty="0" err="1" smtClean="0"/>
+              <a:t>req</a:t>
+            </a:r>
+            <a:r>
+              <a:rPr lang="en-US" baseline="0" dirty="0" smtClean="0"/>
+              <a:t>; slide with more circles should express all use cases, actors should be shown</a:t>
+            </a:r>
+            <a:endParaRPr lang="en-US" dirty="0"/>
           </a:p>
         </p:txBody>
       </p:sp>
       <p:sp>
         <p:nvSpPr>
-          <p:cNvPr id="7169" name="Rectangle 1"/>
-          <p:cNvSpPr txBox="1">
-            <a:spLocks noChangeArrowheads="1"/>
+          <p:cNvPr id="4" name="Slide Number Placeholder 3"/>
+          <p:cNvSpPr>
+            <a:spLocks noGrp="1"/>
           </p:cNvSpPr>
           <p:nvPr>
-            <p:ph type="sldImg"/>
+            <p:ph type="sldNum" sz="quarter" idx="10"/>
           </p:nvPr>
         </p:nvSpPr>
-        <p:spPr bwMode="auto">
-          <a:xfrm>
-            <a:off x="1143000" y="693738"/>
-            <a:ext cx="4572000" cy="3429000"/>
-          </a:xfrm>
-          <a:prstGeom prst="rect">
-            <a:avLst/>
-          </a:prstGeom>
-          <a:solidFill>
-            <a:srgbClr val="FFFFFF"/>
-          </a:solidFill>
-          <a:ln>
-            <a:solidFill>
-              <a:srgbClr val="000000"/>
-            </a:solidFill>
-            <a:miter lim="800000"/>
-            <a:headEnd/>
-            <a:tailEnd/>
-          </a:ln>
-        </p:spPr>
-      </p:sp>
-      <p:sp>
-        <p:nvSpPr>
-          <p:cNvPr id="7170" name="Rectangle 2"/>
-          <p:cNvSpPr txBox="1">
-            <a:spLocks noChangeArrowheads="1"/>
-          </p:cNvSpPr>
-          <p:nvPr>
-            <p:ph type="body" idx="1"/>
-          </p:nvPr>
-        </p:nvSpPr>
-        <p:spPr bwMode="auto">
-          <a:xfrm>
-            <a:off x="686360" y="4342535"/>
-            <a:ext cx="5486681" cy="4114511"/>
-          </a:xfrm>
-          <a:prstGeom prst="rect">
-            <a:avLst/>
-          </a:prstGeom>
-          <a:noFill/>
-          <a:ln>
-            <a:round/>
-            <a:headEnd/>
-            <a:tailEnd/>
-          </a:ln>
-        </p:spPr>
+        <p:spPr/>
         <p:txBody>
-          <a:bodyPr wrap="none" anchor="ctr"/>
+          <a:bodyPr/>
           <a:lstStyle/>
           <a:p>
+            <a:fld id="{D2C20754-2859-45A8-8015-4CC934F73286}" type="slidenum">
+              <a:rPr lang="en-US" smtClean="0"/>
+              <a:pPr/>
+              <a:t>4</a:t>
+            </a:fld>
             <a:endParaRPr lang="en-US"/>
           </a:p>
         </p:txBody>
@@ -40882,7 +41123,7 @@
           <a:bodyPr/>
           <a:lstStyle/>
           <a:p>
-            <a:fld id="{8F217465-728F-4626-A775-351C55DFB4C5}" type="slidenum">
+            <a:fld id="{7337F55F-CCE5-458C-99A9-7577E7CE3829}" type="slidenum">
               <a:rPr lang="en-US"/>
               <a:pPr/>
               <a:t>7</a:t>
@@ -40893,9 +41134,9 @@
       </p:sp>
       <p:sp>
         <p:nvSpPr>
-          <p:cNvPr id="8193" name="Rectangle 1"/>
+          <p:cNvPr id="7169" name="Rectangle 1"/>
           <p:cNvSpPr txBox="1">
-            <a:spLocks noChangeArrowheads="1"/>
+            <a:spLocks noGrp="1" noRot="1" noChangeAspect="1" noChangeArrowheads="1"/>
           </p:cNvSpPr>
           <p:nvPr>
             <p:ph type="sldImg"/>
@@ -40903,8 +41144,8 @@
         </p:nvSpPr>
         <p:spPr bwMode="auto">
           <a:xfrm>
-            <a:off x="1210236" y="694171"/>
-            <a:ext cx="4437529" cy="3429000"/>
+            <a:off x="1143000" y="693738"/>
+            <a:ext cx="4572000" cy="3429000"/>
           </a:xfrm>
           <a:prstGeom prst="rect">
             <a:avLst/>
@@ -40924,9 +41165,9 @@
       </p:sp>
       <p:sp>
         <p:nvSpPr>
-          <p:cNvPr id="8194" name="Rectangle 2"/>
+          <p:cNvPr id="7170" name="Rectangle 2"/>
           <p:cNvSpPr txBox="1">
-            <a:spLocks noChangeArrowheads="1"/>
+            <a:spLocks noGrp="1" noChangeArrowheads="1"/>
           </p:cNvSpPr>
           <p:nvPr>
             <p:ph type="body" idx="1"/>
@@ -40964,6 +41205,129 @@
 </file>
 
 <file path=ppt/notesSlides/notesSlide5.xml><?xml version="1.0" encoding="utf-8"?>
+<p:notes xmlns:a="http://schemas.openxmlformats.org/drawingml/2006/main" xmlns:r="http://schemas.openxmlformats.org/officeDocument/2006/relationships" xmlns:p="http://schemas.openxmlformats.org/presentationml/2006/main">
+  <p:cSld>
+    <p:bg>
+      <p:bgPr>
+        <a:solidFill>
+          <a:srgbClr val="FFFFFF"/>
+        </a:solidFill>
+        <a:effectLst/>
+      </p:bgPr>
+    </p:bg>
+    <p:spTree>
+      <p:nvGrpSpPr>
+        <p:cNvPr id="1" name=""/>
+        <p:cNvGrpSpPr/>
+        <p:nvPr/>
+      </p:nvGrpSpPr>
+      <p:grpSpPr>
+        <a:xfrm>
+          <a:off x="0" y="0"/>
+          <a:ext cx="0" cy="0"/>
+          <a:chOff x="0" y="0"/>
+          <a:chExt cx="0" cy="0"/>
+        </a:xfrm>
+      </p:grpSpPr>
+      <p:sp>
+        <p:nvSpPr>
+          <p:cNvPr id="7" name="Rectangle 6"/>
+          <p:cNvSpPr>
+            <a:spLocks noGrp="1" noChangeArrowheads="1"/>
+          </p:cNvSpPr>
+          <p:nvPr>
+            <p:ph type="sldNum"/>
+          </p:nvPr>
+        </p:nvSpPr>
+        <p:spPr>
+          <a:ln/>
+        </p:spPr>
+        <p:txBody>
+          <a:bodyPr/>
+          <a:lstStyle/>
+          <a:p>
+            <a:fld id="{8F217465-728F-4626-A775-351C55DFB4C5}" type="slidenum">
+              <a:rPr lang="en-US"/>
+              <a:pPr/>
+              <a:t>8</a:t>
+            </a:fld>
+            <a:endParaRPr lang="en-US"/>
+          </a:p>
+        </p:txBody>
+      </p:sp>
+      <p:sp>
+        <p:nvSpPr>
+          <p:cNvPr id="8193" name="Rectangle 1"/>
+          <p:cNvSpPr txBox="1">
+            <a:spLocks noGrp="1" noRot="1" noChangeAspect="1" noChangeArrowheads="1"/>
+          </p:cNvSpPr>
+          <p:nvPr>
+            <p:ph type="sldImg"/>
+          </p:nvPr>
+        </p:nvSpPr>
+        <p:spPr bwMode="auto">
+          <a:xfrm>
+            <a:off x="1143000" y="693738"/>
+            <a:ext cx="4572000" cy="3429000"/>
+          </a:xfrm>
+          <a:prstGeom prst="rect">
+            <a:avLst/>
+          </a:prstGeom>
+          <a:solidFill>
+            <a:srgbClr val="FFFFFF"/>
+          </a:solidFill>
+          <a:ln>
+            <a:solidFill>
+              <a:srgbClr val="000000"/>
+            </a:solidFill>
+            <a:miter lim="800000"/>
+            <a:headEnd/>
+            <a:tailEnd/>
+          </a:ln>
+        </p:spPr>
+      </p:sp>
+      <p:sp>
+        <p:nvSpPr>
+          <p:cNvPr id="8194" name="Rectangle 2"/>
+          <p:cNvSpPr txBox="1">
+            <a:spLocks noGrp="1" noChangeArrowheads="1"/>
+          </p:cNvSpPr>
+          <p:nvPr>
+            <p:ph type="body" idx="1"/>
+          </p:nvPr>
+        </p:nvSpPr>
+        <p:spPr bwMode="auto">
+          <a:xfrm>
+            <a:off x="686360" y="4342535"/>
+            <a:ext cx="5486681" cy="4114511"/>
+          </a:xfrm>
+          <a:prstGeom prst="rect">
+            <a:avLst/>
+          </a:prstGeom>
+          <a:noFill/>
+          <a:ln>
+            <a:round/>
+            <a:headEnd/>
+            <a:tailEnd/>
+          </a:ln>
+        </p:spPr>
+        <p:txBody>
+          <a:bodyPr wrap="none" anchor="ctr"/>
+          <a:lstStyle/>
+          <a:p>
+            <a:endParaRPr lang="en-US"/>
+          </a:p>
+        </p:txBody>
+      </p:sp>
+    </p:spTree>
+  </p:cSld>
+  <p:clrMapOvr>
+    <a:masterClrMapping/>
+  </p:clrMapOvr>
+</p:notes>
+</file>
+
+<file path=ppt/notesSlides/notesSlide6.xml><?xml version="1.0" encoding="utf-8"?>
 <p:notes xmlns:a="http://schemas.openxmlformats.org/drawingml/2006/main" xmlns:r="http://schemas.openxmlformats.org/officeDocument/2006/relationships" xmlns:p="http://schemas.openxmlformats.org/presentationml/2006/main">
   <p:cSld>
     <p:spTree>
@@ -41009,6 +41373,104 @@
           </a:bodyPr>
           <a:lstStyle/>
           <a:p>
+            <a:r>
+              <a:rPr lang="en-US" dirty="0" smtClean="0"/>
+              <a:t>Want rider to be able to rely on this, so base</a:t>
+            </a:r>
+            <a:r>
+              <a:rPr lang="en-US" baseline="0" dirty="0" smtClean="0"/>
+              <a:t> MTBF off this, exact info will be given by McDonald</a:t>
+            </a:r>
+            <a:endParaRPr lang="en-US" dirty="0"/>
+          </a:p>
+        </p:txBody>
+      </p:sp>
+      <p:sp>
+        <p:nvSpPr>
+          <p:cNvPr id="4" name="Slide Number Placeholder 3"/>
+          <p:cNvSpPr>
+            <a:spLocks noGrp="1"/>
+          </p:cNvSpPr>
+          <p:nvPr>
+            <p:ph type="sldNum" sz="quarter" idx="10"/>
+          </p:nvPr>
+        </p:nvSpPr>
+        <p:spPr/>
+        <p:txBody>
+          <a:bodyPr/>
+          <a:lstStyle/>
+          <a:p>
+            <a:fld id="{D2C20754-2859-45A8-8015-4CC934F73286}" type="slidenum">
+              <a:rPr lang="en-US" smtClean="0"/>
+              <a:pPr/>
+              <a:t>10</a:t>
+            </a:fld>
+            <a:endParaRPr lang="en-US"/>
+          </a:p>
+        </p:txBody>
+      </p:sp>
+    </p:spTree>
+  </p:cSld>
+  <p:clrMapOvr>
+    <a:masterClrMapping/>
+  </p:clrMapOvr>
+</p:notes>
+</file>
+
+<file path=ppt/notesSlides/notesSlide7.xml><?xml version="1.0" encoding="utf-8"?>
+<p:notes xmlns:a="http://schemas.openxmlformats.org/drawingml/2006/main" xmlns:r="http://schemas.openxmlformats.org/officeDocument/2006/relationships" xmlns:p="http://schemas.openxmlformats.org/presentationml/2006/main">
+  <p:cSld>
+    <p:spTree>
+      <p:nvGrpSpPr>
+        <p:cNvPr id="1" name=""/>
+        <p:cNvGrpSpPr/>
+        <p:nvPr/>
+      </p:nvGrpSpPr>
+      <p:grpSpPr>
+        <a:xfrm>
+          <a:off x="0" y="0"/>
+          <a:ext cx="0" cy="0"/>
+          <a:chOff x="0" y="0"/>
+          <a:chExt cx="0" cy="0"/>
+        </a:xfrm>
+      </p:grpSpPr>
+      <p:sp>
+        <p:nvSpPr>
+          <p:cNvPr id="2" name="Slide Image Placeholder 1"/>
+          <p:cNvSpPr>
+            <a:spLocks noGrp="1" noRot="1" noChangeAspect="1"/>
+          </p:cNvSpPr>
+          <p:nvPr>
+            <p:ph type="sldImg"/>
+          </p:nvPr>
+        </p:nvSpPr>
+        <p:spPr/>
+      </p:sp>
+      <p:sp>
+        <p:nvSpPr>
+          <p:cNvPr id="3" name="Notes Placeholder 2"/>
+          <p:cNvSpPr>
+            <a:spLocks noGrp="1"/>
+          </p:cNvSpPr>
+          <p:nvPr>
+            <p:ph type="body" idx="1"/>
+          </p:nvPr>
+        </p:nvSpPr>
+        <p:spPr/>
+        <p:txBody>
+          <a:bodyPr>
+            <a:normAutofit/>
+          </a:bodyPr>
+          <a:lstStyle/>
+          <a:p>
+            <a:r>
+              <a:rPr lang="en-US" dirty="0" smtClean="0"/>
+              <a:t>There</a:t>
+            </a:r>
+            <a:r>
+              <a:rPr lang="en-US" baseline="0" dirty="0" smtClean="0"/>
+              <a:t> are people at school who have done android development for databases (Mike Weaver, Craig Williams, Dominic)</a:t>
+            </a:r>
             <a:endParaRPr lang="en-US" dirty="0"/>
           </a:p>
         </p:txBody>
@@ -41031,7 +41493,7 @@
             <a:fld id="{CB7D4244-23A8-4EAC-AE97-3623EC42045E}" type="slidenum">
               <a:rPr lang="en-US" smtClean="0"/>
               <a:pPr/>
-              <a:t>10</a:t>
+              <a:t>11</a:t>
             </a:fld>
             <a:endParaRPr lang="en-US"/>
           </a:p>
@@ -41045,7 +41507,7 @@
 </p:notes>
 </file>
 
-<file path=ppt/notesSlides/notesSlide6.xml><?xml version="1.0" encoding="utf-8"?>
+<file path=ppt/notesSlides/notesSlide8.xml><?xml version="1.0" encoding="utf-8"?>
 <p:notes xmlns:a="http://schemas.openxmlformats.org/drawingml/2006/main" xmlns:r="http://schemas.openxmlformats.org/officeDocument/2006/relationships" xmlns:p="http://schemas.openxmlformats.org/presentationml/2006/main">
   <p:cSld>
     <p:spTree>
@@ -41129,7 +41591,7 @@
             <a:fld id="{CB7D4244-23A8-4EAC-AE97-3623EC42045E}" type="slidenum">
               <a:rPr lang="en-US" smtClean="0"/>
               <a:pPr/>
-              <a:t>11</a:t>
+              <a:t>12</a:t>
             </a:fld>
             <a:endParaRPr lang="en-US"/>
           </a:p>
@@ -41143,7 +41605,7 @@
 </p:notes>
 </file>
 
-<file path=ppt/notesSlides/notesSlide7.xml><?xml version="1.0" encoding="utf-8"?>
+<file path=ppt/notesSlides/notesSlide9.xml><?xml version="1.0" encoding="utf-8"?>
 <p:notes xmlns:a="http://schemas.openxmlformats.org/drawingml/2006/main" xmlns:r="http://schemas.openxmlformats.org/officeDocument/2006/relationships" xmlns:p="http://schemas.openxmlformats.org/presentationml/2006/main">
   <p:cSld>
     <p:bg>
@@ -41228,252 +41690,6 @@
       <p:sp>
         <p:nvSpPr>
           <p:cNvPr id="22530" name="Rectangle 2"/>
-          <p:cNvSpPr txBox="1">
-            <a:spLocks noGrp="1" noChangeArrowheads="1"/>
-          </p:cNvSpPr>
-          <p:nvPr>
-            <p:ph type="body" idx="1"/>
-          </p:nvPr>
-        </p:nvSpPr>
-        <p:spPr bwMode="auto">
-          <a:xfrm>
-            <a:off x="686360" y="4342535"/>
-            <a:ext cx="5486681" cy="4114511"/>
-          </a:xfrm>
-          <a:prstGeom prst="rect">
-            <a:avLst/>
-          </a:prstGeom>
-          <a:noFill/>
-          <a:ln>
-            <a:round/>
-            <a:headEnd/>
-            <a:tailEnd/>
-          </a:ln>
-        </p:spPr>
-        <p:txBody>
-          <a:bodyPr wrap="none" anchor="ctr"/>
-          <a:lstStyle/>
-          <a:p>
-            <a:endParaRPr lang="en-US"/>
-          </a:p>
-        </p:txBody>
-      </p:sp>
-    </p:spTree>
-  </p:cSld>
-  <p:clrMapOvr>
-    <a:masterClrMapping/>
-  </p:clrMapOvr>
-</p:notes>
-</file>
-
-<file path=ppt/notesSlides/notesSlide8.xml><?xml version="1.0" encoding="utf-8"?>
-<p:notes xmlns:a="http://schemas.openxmlformats.org/drawingml/2006/main" xmlns:r="http://schemas.openxmlformats.org/officeDocument/2006/relationships" xmlns:p="http://schemas.openxmlformats.org/presentationml/2006/main">
-  <p:cSld>
-    <p:bg>
-      <p:bgPr>
-        <a:solidFill>
-          <a:srgbClr val="FFFFFF"/>
-        </a:solidFill>
-        <a:effectLst/>
-      </p:bgPr>
-    </p:bg>
-    <p:spTree>
-      <p:nvGrpSpPr>
-        <p:cNvPr id="1" name=""/>
-        <p:cNvGrpSpPr/>
-        <p:nvPr/>
-      </p:nvGrpSpPr>
-      <p:grpSpPr>
-        <a:xfrm>
-          <a:off x="0" y="0"/>
-          <a:ext cx="0" cy="0"/>
-          <a:chOff x="0" y="0"/>
-          <a:chExt cx="0" cy="0"/>
-        </a:xfrm>
-      </p:grpSpPr>
-      <p:sp>
-        <p:nvSpPr>
-          <p:cNvPr id="7" name="Rectangle 6"/>
-          <p:cNvSpPr>
-            <a:spLocks noGrp="1" noChangeArrowheads="1"/>
-          </p:cNvSpPr>
-          <p:nvPr>
-            <p:ph type="sldNum"/>
-          </p:nvPr>
-        </p:nvSpPr>
-        <p:spPr>
-          <a:ln/>
-        </p:spPr>
-        <p:txBody>
-          <a:bodyPr/>
-          <a:lstStyle/>
-          <a:p>
-            <a:fld id="{84F354D4-1058-47E6-822B-B270E01C7F3F}" type="slidenum">
-              <a:rPr lang="en-US"/>
-              <a:pPr/>
-              <a:t>16</a:t>
-            </a:fld>
-            <a:endParaRPr lang="en-US"/>
-          </a:p>
-        </p:txBody>
-      </p:sp>
-      <p:sp>
-        <p:nvSpPr>
-          <p:cNvPr id="19457" name="Rectangle 1"/>
-          <p:cNvSpPr txBox="1">
-            <a:spLocks noGrp="1" noRot="1" noChangeAspect="1" noChangeArrowheads="1"/>
-          </p:cNvSpPr>
-          <p:nvPr>
-            <p:ph type="sldImg"/>
-          </p:nvPr>
-        </p:nvSpPr>
-        <p:spPr bwMode="auto">
-          <a:xfrm>
-            <a:off x="1143000" y="693738"/>
-            <a:ext cx="4572000" cy="3429000"/>
-          </a:xfrm>
-          <a:prstGeom prst="rect">
-            <a:avLst/>
-          </a:prstGeom>
-          <a:solidFill>
-            <a:srgbClr val="FFFFFF"/>
-          </a:solidFill>
-          <a:ln>
-            <a:solidFill>
-              <a:srgbClr val="000000"/>
-            </a:solidFill>
-            <a:miter lim="800000"/>
-            <a:headEnd/>
-            <a:tailEnd/>
-          </a:ln>
-        </p:spPr>
-      </p:sp>
-      <p:sp>
-        <p:nvSpPr>
-          <p:cNvPr id="19458" name="Rectangle 2"/>
-          <p:cNvSpPr txBox="1">
-            <a:spLocks noGrp="1" noChangeArrowheads="1"/>
-          </p:cNvSpPr>
-          <p:nvPr>
-            <p:ph type="body" idx="1"/>
-          </p:nvPr>
-        </p:nvSpPr>
-        <p:spPr bwMode="auto">
-          <a:xfrm>
-            <a:off x="686360" y="4342535"/>
-            <a:ext cx="5486681" cy="4114511"/>
-          </a:xfrm>
-          <a:prstGeom prst="rect">
-            <a:avLst/>
-          </a:prstGeom>
-          <a:noFill/>
-          <a:ln>
-            <a:round/>
-            <a:headEnd/>
-            <a:tailEnd/>
-          </a:ln>
-        </p:spPr>
-        <p:txBody>
-          <a:bodyPr wrap="none" anchor="ctr"/>
-          <a:lstStyle/>
-          <a:p>
-            <a:endParaRPr lang="en-US"/>
-          </a:p>
-        </p:txBody>
-      </p:sp>
-    </p:spTree>
-  </p:cSld>
-  <p:clrMapOvr>
-    <a:masterClrMapping/>
-  </p:clrMapOvr>
-</p:notes>
-</file>
-
-<file path=ppt/notesSlides/notesSlide9.xml><?xml version="1.0" encoding="utf-8"?>
-<p:notes xmlns:a="http://schemas.openxmlformats.org/drawingml/2006/main" xmlns:r="http://schemas.openxmlformats.org/officeDocument/2006/relationships" xmlns:p="http://schemas.openxmlformats.org/presentationml/2006/main">
-  <p:cSld>
-    <p:bg>
-      <p:bgPr>
-        <a:solidFill>
-          <a:srgbClr val="FFFFFF"/>
-        </a:solidFill>
-        <a:effectLst/>
-      </p:bgPr>
-    </p:bg>
-    <p:spTree>
-      <p:nvGrpSpPr>
-        <p:cNvPr id="1" name=""/>
-        <p:cNvGrpSpPr/>
-        <p:nvPr/>
-      </p:nvGrpSpPr>
-      <p:grpSpPr>
-        <a:xfrm>
-          <a:off x="0" y="0"/>
-          <a:ext cx="0" cy="0"/>
-          <a:chOff x="0" y="0"/>
-          <a:chExt cx="0" cy="0"/>
-        </a:xfrm>
-      </p:grpSpPr>
-      <p:sp>
-        <p:nvSpPr>
-          <p:cNvPr id="7" name="Rectangle 6"/>
-          <p:cNvSpPr>
-            <a:spLocks noGrp="1" noChangeArrowheads="1"/>
-          </p:cNvSpPr>
-          <p:nvPr>
-            <p:ph type="sldNum"/>
-          </p:nvPr>
-        </p:nvSpPr>
-        <p:spPr>
-          <a:ln/>
-        </p:spPr>
-        <p:txBody>
-          <a:bodyPr/>
-          <a:lstStyle/>
-          <a:p>
-            <a:fld id="{F64DA0EC-78EA-4A65-B306-5B730F9A8279}" type="slidenum">
-              <a:rPr lang="en-US"/>
-              <a:pPr/>
-              <a:t>17</a:t>
-            </a:fld>
-            <a:endParaRPr lang="en-US"/>
-          </a:p>
-        </p:txBody>
-      </p:sp>
-      <p:sp>
-        <p:nvSpPr>
-          <p:cNvPr id="17409" name="Rectangle 1"/>
-          <p:cNvSpPr txBox="1">
-            <a:spLocks noGrp="1" noRot="1" noChangeAspect="1" noChangeArrowheads="1"/>
-          </p:cNvSpPr>
-          <p:nvPr>
-            <p:ph type="sldImg"/>
-          </p:nvPr>
-        </p:nvSpPr>
-        <p:spPr bwMode="auto">
-          <a:xfrm>
-            <a:off x="1143000" y="693738"/>
-            <a:ext cx="4572000" cy="3429000"/>
-          </a:xfrm>
-          <a:prstGeom prst="rect">
-            <a:avLst/>
-          </a:prstGeom>
-          <a:solidFill>
-            <a:srgbClr val="FFFFFF"/>
-          </a:solidFill>
-          <a:ln>
-            <a:solidFill>
-              <a:srgbClr val="000000"/>
-            </a:solidFill>
-            <a:miter lim="800000"/>
-            <a:headEnd/>
-            <a:tailEnd/>
-          </a:ln>
-        </p:spPr>
-      </p:sp>
-      <p:sp>
-        <p:nvSpPr>
-          <p:cNvPr id="17410" name="Rectangle 2"/>
           <p:cNvSpPr txBox="1">
             <a:spLocks noGrp="1" noChangeArrowheads="1"/>
           </p:cNvSpPr>
@@ -44497,6 +44713,91 @@
           <a:chExt cx="0" cy="0"/>
         </a:xfrm>
       </p:grpSpPr>
+      <p:graphicFrame>
+        <p:nvGraphicFramePr>
+          <p:cNvPr id="4" name="Content Placeholder 3"/>
+          <p:cNvGraphicFramePr>
+            <a:graphicFrameLocks noGrp="1"/>
+          </p:cNvGraphicFramePr>
+          <p:nvPr>
+            <p:ph idx="1"/>
+          </p:nvPr>
+        </p:nvGraphicFramePr>
+        <p:xfrm>
+          <a:off x="457200" y="1143000"/>
+          <a:ext cx="8153400" cy="5181599"/>
+        </p:xfrm>
+        <a:graphic>
+          <a:graphicData uri="http://schemas.openxmlformats.org/drawingml/2006/diagram">
+            <dgm:relIds xmlns:dgm="http://schemas.openxmlformats.org/drawingml/2006/diagram" xmlns:r="http://schemas.openxmlformats.org/officeDocument/2006/relationships" r:dm="rId3" r:lo="rId4" r:qs="rId5" r:cs="rId6"/>
+          </a:graphicData>
+        </a:graphic>
+      </p:graphicFrame>
+      <p:sp>
+        <p:nvSpPr>
+          <p:cNvPr id="6" name="Title 1"/>
+          <p:cNvSpPr>
+            <a:spLocks noGrp="1"/>
+          </p:cNvSpPr>
+          <p:nvPr>
+            <p:ph type="title"/>
+          </p:nvPr>
+        </p:nvSpPr>
+        <p:spPr>
+          <a:xfrm>
+            <a:off x="457200" y="274638"/>
+            <a:ext cx="8229600" cy="1143000"/>
+          </a:xfrm>
+        </p:spPr>
+        <p:txBody>
+          <a:bodyPr>
+            <a:normAutofit/>
+          </a:bodyPr>
+          <a:lstStyle/>
+          <a:p>
+            <a:r>
+              <a:rPr lang="en-US" altLang="zh-CN" sz="3600" b="1" dirty="0" smtClean="0"/>
+              <a:t>Nonfunctional Requirements</a:t>
+            </a:r>
+            <a:endParaRPr lang="zh-CN" altLang="en-US" sz="3600" b="1" dirty="0"/>
+          </a:p>
+        </p:txBody>
+      </p:sp>
+    </p:spTree>
+  </p:cSld>
+  <p:clrMapOvr>
+    <a:masterClrMapping/>
+  </p:clrMapOvr>
+  <p:transition>
+    <p:fade thruBlk="1"/>
+  </p:transition>
+  <p:timing>
+    <p:tnLst>
+      <p:par>
+        <p:cTn id="1" dur="indefinite" restart="never" nodeType="tmRoot"/>
+      </p:par>
+    </p:tnLst>
+  </p:timing>
+</p:sld>
+</file>
+
+<file path=ppt/slides/slide11.xml><?xml version="1.0" encoding="utf-8"?>
+<p:sld xmlns:a="http://schemas.openxmlformats.org/drawingml/2006/main" xmlns:r="http://schemas.openxmlformats.org/officeDocument/2006/relationships" xmlns:p="http://schemas.openxmlformats.org/presentationml/2006/main">
+  <p:cSld>
+    <p:spTree>
+      <p:nvGrpSpPr>
+        <p:cNvPr id="1" name=""/>
+        <p:cNvGrpSpPr/>
+        <p:nvPr/>
+      </p:nvGrpSpPr>
+      <p:grpSpPr>
+        <a:xfrm>
+          <a:off x="0" y="0"/>
+          <a:ext cx="0" cy="0"/>
+          <a:chOff x="0" y="0"/>
+          <a:chExt cx="0" cy="0"/>
+        </a:xfrm>
+      </p:grpSpPr>
       <p:sp>
         <p:nvSpPr>
           <p:cNvPr id="2" name="Title 1"/>
@@ -44563,7 +44864,7 @@
 </p:sld>
 </file>
 
-<file path=ppt/slides/slide11.xml><?xml version="1.0" encoding="utf-8"?>
+<file path=ppt/slides/slide12.xml><?xml version="1.0" encoding="utf-8"?>
 <p:sld xmlns:a="http://schemas.openxmlformats.org/drawingml/2006/main" xmlns:r="http://schemas.openxmlformats.org/officeDocument/2006/relationships" xmlns:p="http://schemas.openxmlformats.org/presentationml/2006/main">
   <p:cSld>
     <p:spTree>
@@ -44709,129 +45010,6 @@
 </p:sld>
 </file>
 
-<file path=ppt/slides/slide12.xml><?xml version="1.0" encoding="utf-8"?>
-<p:sld xmlns:a="http://schemas.openxmlformats.org/drawingml/2006/main" xmlns:r="http://schemas.openxmlformats.org/officeDocument/2006/relationships" xmlns:p="http://schemas.openxmlformats.org/presentationml/2006/main">
-  <p:cSld>
-    <p:spTree>
-      <p:nvGrpSpPr>
-        <p:cNvPr id="1" name=""/>
-        <p:cNvGrpSpPr/>
-        <p:nvPr/>
-      </p:nvGrpSpPr>
-      <p:grpSpPr>
-        <a:xfrm>
-          <a:off x="0" y="0"/>
-          <a:ext cx="0" cy="0"/>
-          <a:chOff x="0" y="0"/>
-          <a:chExt cx="0" cy="0"/>
-        </a:xfrm>
-      </p:grpSpPr>
-      <p:pic>
-        <p:nvPicPr>
-          <p:cNvPr id="2053" name="Picture 5"/>
-          <p:cNvPicPr>
-            <a:picLocks noChangeAspect="1" noChangeArrowheads="1"/>
-          </p:cNvPicPr>
-          <p:nvPr/>
-        </p:nvPicPr>
-        <p:blipFill>
-          <a:blip r:embed="rId2" cstate="print"/>
-          <a:srcRect/>
-          <a:stretch>
-            <a:fillRect/>
-          </a:stretch>
-        </p:blipFill>
-        <p:spPr bwMode="auto">
-          <a:xfrm>
-            <a:off x="0" y="-1"/>
-            <a:ext cx="9144000" cy="7543801"/>
-          </a:xfrm>
-          <a:prstGeom prst="rect">
-            <a:avLst/>
-          </a:prstGeom>
-          <a:noFill/>
-          <a:ln w="9525">
-            <a:noFill/>
-            <a:miter lim="800000"/>
-            <a:headEnd/>
-            <a:tailEnd/>
-          </a:ln>
-        </p:spPr>
-      </p:pic>
-      <p:sp>
-        <p:nvSpPr>
-          <p:cNvPr id="3" name="Content Placeholder 2"/>
-          <p:cNvSpPr>
-            <a:spLocks noGrp="1"/>
-          </p:cNvSpPr>
-          <p:nvPr>
-            <p:ph idx="1"/>
-          </p:nvPr>
-        </p:nvSpPr>
-        <p:spPr>
-          <a:xfrm>
-            <a:off x="685800" y="304800"/>
-            <a:ext cx="7239000" cy="685800"/>
-          </a:xfrm>
-        </p:spPr>
-        <p:txBody>
-          <a:bodyPr>
-            <a:noAutofit/>
-          </a:bodyPr>
-          <a:lstStyle/>
-          <a:p>
-            <a:pPr algn="ctr">
-              <a:buNone/>
-            </a:pPr>
-            <a:r>
-              <a:rPr lang="en-US" altLang="zh-CN" b="1" u="sng" dirty="0" smtClean="0"/>
-              <a:t>Brief Format </a:t>
-            </a:r>
-            <a:r>
-              <a:rPr lang="en-US" altLang="zh-CN" b="1" dirty="0" smtClean="0"/>
-              <a:t>Use Case Description </a:t>
-            </a:r>
-          </a:p>
-          <a:p>
-            <a:pPr>
-              <a:buNone/>
-            </a:pPr>
-            <a:r>
-              <a:rPr lang="en-US" altLang="zh-CN" dirty="0"/>
-              <a:t>	</a:t>
-            </a:r>
-            <a:endParaRPr lang="en-US" altLang="zh-CN" dirty="0" smtClean="0"/>
-          </a:p>
-          <a:p>
-            <a:pPr>
-              <a:buNone/>
-            </a:pPr>
-            <a:r>
-              <a:rPr lang="en-US" altLang="zh-CN" dirty="0"/>
-              <a:t>	</a:t>
-            </a:r>
-            <a:endParaRPr lang="zh-CN" altLang="en-US" dirty="0"/>
-          </a:p>
-        </p:txBody>
-      </p:sp>
-    </p:spTree>
-  </p:cSld>
-  <p:clrMapOvr>
-    <a:masterClrMapping/>
-  </p:clrMapOvr>
-  <p:transition>
-    <p:fade thruBlk="1"/>
-  </p:transition>
-  <p:timing>
-    <p:tnLst>
-      <p:par>
-        <p:cTn id="1" dur="indefinite" restart="never" nodeType="tmRoot"/>
-      </p:par>
-    </p:tnLst>
-  </p:timing>
-</p:sld>
-</file>
-
 <file path=ppt/slides/slide13.xml><?xml version="1.0" encoding="utf-8"?>
 <p:sld xmlns:a="http://schemas.openxmlformats.org/drawingml/2006/main" xmlns:r="http://schemas.openxmlformats.org/officeDocument/2006/relationships" xmlns:p="http://schemas.openxmlformats.org/presentationml/2006/main">
   <p:cSld>
@@ -44902,7 +45080,7 @@
           <p:nvPr/>
         </p:nvPicPr>
         <p:blipFill>
-          <a:blip r:embed="rId3" cstate="print">
+          <a:blip r:embed="rId4" cstate="print">
             <a:lum contrast="35000"/>
           </a:blip>
           <a:srcRect/>
@@ -45460,7 +45638,7 @@
         </p:xfrm>
         <a:graphic>
           <a:graphicData uri="http://schemas.openxmlformats.org/drawingml/2006/diagram">
-            <dgm:relIds xmlns:dgm="http://schemas.openxmlformats.org/drawingml/2006/diagram" xmlns:r="http://schemas.openxmlformats.org/officeDocument/2006/relationships" r:dm="rId3" r:lo="rId4" r:qs="rId5" r:cs="rId6"/>
+            <dgm:relIds xmlns:dgm="http://schemas.openxmlformats.org/drawingml/2006/diagram" xmlns:r="http://schemas.openxmlformats.org/officeDocument/2006/relationships" r:dm="rId4" r:lo="rId5" r:qs="rId6" r:cs="rId7"/>
           </a:graphicData>
         </a:graphic>
       </p:graphicFrame>
@@ -45784,7 +45962,7 @@
         </p:xfrm>
         <a:graphic>
           <a:graphicData uri="http://schemas.openxmlformats.org/drawingml/2006/diagram">
-            <dgm:relIds xmlns:dgm="http://schemas.openxmlformats.org/drawingml/2006/diagram" xmlns:r="http://schemas.openxmlformats.org/officeDocument/2006/relationships" r:dm="rId3" r:lo="rId4" r:qs="rId5" r:cs="rId6"/>
+            <dgm:relIds xmlns:dgm="http://schemas.openxmlformats.org/drawingml/2006/diagram" xmlns:r="http://schemas.openxmlformats.org/officeDocument/2006/relationships" r:dm="rId4" r:lo="rId5" r:qs="rId6" r:cs="rId7"/>
           </a:graphicData>
         </a:graphic>
       </p:graphicFrame>
@@ -46368,7 +46546,7 @@
         </p:xfrm>
         <a:graphic>
           <a:graphicData uri="http://schemas.openxmlformats.org/drawingml/2006/diagram">
-            <dgm:relIds xmlns:dgm="http://schemas.openxmlformats.org/drawingml/2006/diagram" xmlns:r="http://schemas.openxmlformats.org/officeDocument/2006/relationships" r:dm="rId2" r:lo="rId3" r:qs="rId4" r:cs="rId5"/>
+            <dgm:relIds xmlns:dgm="http://schemas.openxmlformats.org/drawingml/2006/diagram" xmlns:r="http://schemas.openxmlformats.org/officeDocument/2006/relationships" r:dm="rId3" r:lo="rId4" r:qs="rId5" r:cs="rId6"/>
           </a:graphicData>
         </a:graphic>
       </p:graphicFrame>
@@ -46507,6 +46685,129 @@
           <a:chExt cx="0" cy="0"/>
         </a:xfrm>
       </p:grpSpPr>
+      <p:pic>
+        <p:nvPicPr>
+          <p:cNvPr id="2053" name="Picture 5"/>
+          <p:cNvPicPr>
+            <a:picLocks noChangeAspect="1" noChangeArrowheads="1"/>
+          </p:cNvPicPr>
+          <p:nvPr/>
+        </p:nvPicPr>
+        <p:blipFill>
+          <a:blip r:embed="rId2" cstate="print"/>
+          <a:srcRect/>
+          <a:stretch>
+            <a:fillRect/>
+          </a:stretch>
+        </p:blipFill>
+        <p:spPr bwMode="auto">
+          <a:xfrm>
+            <a:off x="0" y="-1"/>
+            <a:ext cx="9144000" cy="7543801"/>
+          </a:xfrm>
+          <a:prstGeom prst="rect">
+            <a:avLst/>
+          </a:prstGeom>
+          <a:noFill/>
+          <a:ln w="9525">
+            <a:noFill/>
+            <a:miter lim="800000"/>
+            <a:headEnd/>
+            <a:tailEnd/>
+          </a:ln>
+        </p:spPr>
+      </p:pic>
+      <p:sp>
+        <p:nvSpPr>
+          <p:cNvPr id="3" name="Content Placeholder 2"/>
+          <p:cNvSpPr>
+            <a:spLocks noGrp="1"/>
+          </p:cNvSpPr>
+          <p:nvPr>
+            <p:ph idx="1"/>
+          </p:nvPr>
+        </p:nvSpPr>
+        <p:spPr>
+          <a:xfrm>
+            <a:off x="685800" y="304800"/>
+            <a:ext cx="7239000" cy="685800"/>
+          </a:xfrm>
+        </p:spPr>
+        <p:txBody>
+          <a:bodyPr>
+            <a:noAutofit/>
+          </a:bodyPr>
+          <a:lstStyle/>
+          <a:p>
+            <a:pPr algn="ctr">
+              <a:buNone/>
+            </a:pPr>
+            <a:r>
+              <a:rPr lang="en-US" altLang="zh-CN" b="1" u="sng" dirty="0" smtClean="0"/>
+              <a:t>Brief Format </a:t>
+            </a:r>
+            <a:r>
+              <a:rPr lang="en-US" altLang="zh-CN" b="1" dirty="0" smtClean="0"/>
+              <a:t>Use Case Description </a:t>
+            </a:r>
+          </a:p>
+          <a:p>
+            <a:pPr>
+              <a:buNone/>
+            </a:pPr>
+            <a:r>
+              <a:rPr lang="en-US" altLang="zh-CN" dirty="0"/>
+              <a:t>	</a:t>
+            </a:r>
+            <a:endParaRPr lang="en-US" altLang="zh-CN" dirty="0" smtClean="0"/>
+          </a:p>
+          <a:p>
+            <a:pPr>
+              <a:buNone/>
+            </a:pPr>
+            <a:r>
+              <a:rPr lang="en-US" altLang="zh-CN" dirty="0"/>
+              <a:t>	</a:t>
+            </a:r>
+            <a:endParaRPr lang="zh-CN" altLang="en-US" dirty="0"/>
+          </a:p>
+        </p:txBody>
+      </p:sp>
+    </p:spTree>
+  </p:cSld>
+  <p:clrMapOvr>
+    <a:masterClrMapping/>
+  </p:clrMapOvr>
+  <p:transition>
+    <p:fade thruBlk="1"/>
+  </p:transition>
+  <p:timing>
+    <p:tnLst>
+      <p:par>
+        <p:cTn id="1" dur="indefinite" restart="never" nodeType="tmRoot"/>
+      </p:par>
+    </p:tnLst>
+  </p:timing>
+</p:sld>
+</file>
+
+<file path=ppt/slides/slide7.xml><?xml version="1.0" encoding="utf-8"?>
+<p:sld xmlns:a="http://schemas.openxmlformats.org/drawingml/2006/main" xmlns:r="http://schemas.openxmlformats.org/officeDocument/2006/relationships" xmlns:p="http://schemas.openxmlformats.org/presentationml/2006/main">
+  <p:cSld>
+    <p:spTree>
+      <p:nvGrpSpPr>
+        <p:cNvPr id="1" name=""/>
+        <p:cNvGrpSpPr/>
+        <p:nvPr/>
+      </p:nvGrpSpPr>
+      <p:grpSpPr>
+        <a:xfrm>
+          <a:off x="0" y="0"/>
+          <a:ext cx="0" cy="0"/>
+          <a:chOff x="0" y="0"/>
+          <a:chExt cx="0" cy="0"/>
+        </a:xfrm>
+      </p:grpSpPr>
       <p:sp>
         <p:nvSpPr>
           <p:cNvPr id="4097" name="Rectangle 1"/>
@@ -46600,7 +46901,7 @@
   <p:timing>
     <p:tnLst>
       <p:par>
-        <p:cTn id="1" dur="indefinite" nodeType="tmRoot">
+        <p:cTn id="1" dur="indefinite" restart="never" nodeType="tmRoot">
           <p:childTnLst>
             <p:seq concurrent="1" nextAc="seek">
               <p:cTn id="2" dur="0" nodeType="mainSeq"/>
@@ -46627,7 +46928,7 @@
 </p:sld>
 </file>
 
-<file path=ppt/slides/slide7.xml><?xml version="1.0" encoding="utf-8"?>
+<file path=ppt/slides/slide8.xml><?xml version="1.0" encoding="utf-8"?>
 <p:sld xmlns:a="http://schemas.openxmlformats.org/drawingml/2006/main" xmlns:r="http://schemas.openxmlformats.org/officeDocument/2006/relationships" xmlns:p="http://schemas.openxmlformats.org/presentationml/2006/main">
   <p:cSld>
     <p:spTree>
@@ -46745,8 +47046,45 @@
                 <a:ea typeface="Droid Sans" charset="0"/>
                 <a:cs typeface="Droid Sans" charset="0"/>
               </a:rPr>
-              <a:t>User accesses application and chooses desired Jag Tran stop. System outputs the amount of time since last departure of a bus and amount of time before another bus arrives. </a:t>
+              <a:t>User accesses application and chooses desired Jag Tran stop. System outputs the amount of time since last departure of a bus and amount of time before another bus arrives</a:t>
             </a:r>
+            <a:r>
+              <a:rPr lang="en-US" sz="2400" dirty="0" smtClean="0">
+                <a:solidFill>
+                  <a:srgbClr val="000000"/>
+                </a:solidFill>
+                <a:ea typeface="Droid Sans" charset="0"/>
+                <a:cs typeface="Droid Sans" charset="0"/>
+              </a:rPr>
+              <a:t>. </a:t>
+            </a:r>
+            <a:r>
+              <a:rPr lang="en-US" sz="2400" dirty="0" smtClean="0">
+                <a:solidFill>
+                  <a:srgbClr val="000000"/>
+                </a:solidFill>
+                <a:ea typeface="Droid Sans" charset="0"/>
+                <a:cs typeface="Droid Sans" charset="0"/>
+              </a:rPr>
+              <a:t>Check bus status</a:t>
+            </a:r>
+            <a:r>
+              <a:rPr lang="en-US" sz="2400" dirty="0" smtClean="0">
+                <a:solidFill>
+                  <a:srgbClr val="000000"/>
+                </a:solidFill>
+                <a:ea typeface="Droid Sans" charset="0"/>
+                <a:cs typeface="Droid Sans" charset="0"/>
+              </a:rPr>
+              <a:t> </a:t>
+            </a:r>
+            <a:endParaRPr lang="en-US" sz="2400" dirty="0">
+              <a:solidFill>
+                <a:srgbClr val="000000"/>
+              </a:solidFill>
+              <a:ea typeface="Droid Sans" charset="0"/>
+              <a:cs typeface="Droid Sans" charset="0"/>
+            </a:endParaRPr>
           </a:p>
           <a:p>
             <a:pPr marL="195843" indent="-195843">
@@ -46804,8 +47142,45 @@
                 <a:ea typeface="Droid Sans" charset="0"/>
                 <a:cs typeface="Droid Sans" charset="0"/>
               </a:rPr>
-              <a:t>Application is accessed and the system tells how many people are on each jag Tran bus. </a:t>
+              <a:t>Application is accessed and the system tells how many people are on each </a:t>
             </a:r>
+            <a:r>
+              <a:rPr lang="en-US" sz="2400" dirty="0" smtClean="0">
+                <a:solidFill>
+                  <a:srgbClr val="000000"/>
+                </a:solidFill>
+                <a:ea typeface="Droid Sans" charset="0"/>
+                <a:cs typeface="Droid Sans" charset="0"/>
+              </a:rPr>
+              <a:t>JagTran </a:t>
+            </a:r>
+            <a:r>
+              <a:rPr lang="en-US" sz="2400" dirty="0">
+                <a:solidFill>
+                  <a:srgbClr val="000000"/>
+                </a:solidFill>
+                <a:ea typeface="Droid Sans" charset="0"/>
+                <a:cs typeface="Droid Sans" charset="0"/>
+              </a:rPr>
+              <a:t>bus. </a:t>
+            </a:r>
+            <a:r>
+              <a:rPr lang="en-US" sz="2400" dirty="0" smtClean="0">
+                <a:solidFill>
+                  <a:srgbClr val="000000"/>
+                </a:solidFill>
+                <a:ea typeface="Droid Sans" charset="0"/>
+                <a:cs typeface="Droid Sans" charset="0"/>
+              </a:rPr>
+              <a:t>Check bus load</a:t>
+            </a:r>
+            <a:endParaRPr lang="en-US" sz="2400" dirty="0">
+              <a:solidFill>
+                <a:srgbClr val="000000"/>
+              </a:solidFill>
+              <a:ea typeface="Droid Sans" charset="0"/>
+              <a:cs typeface="Droid Sans" charset="0"/>
+            </a:endParaRPr>
           </a:p>
         </p:txBody>
       </p:sp>
@@ -46818,7 +47193,7 @@
   <p:timing>
     <p:tnLst>
       <p:par>
-        <p:cTn id="1" dur="indefinite" nodeType="tmRoot">
+        <p:cTn id="1" dur="indefinite" restart="never" nodeType="tmRoot">
           <p:childTnLst>
             <p:seq concurrent="1" nextAc="seek">
               <p:cTn id="2" dur="0" nodeType="mainSeq"/>
@@ -46845,7 +47220,7 @@
 </p:sld>
 </file>
 
-<file path=ppt/slides/slide8.xml><?xml version="1.0" encoding="utf-8"?>
+<file path=ppt/slides/slide9.xml><?xml version="1.0" encoding="utf-8"?>
 <p:sld xmlns:a="http://schemas.openxmlformats.org/drawingml/2006/main" xmlns:r="http://schemas.openxmlformats.org/officeDocument/2006/relationships" xmlns:p="http://schemas.openxmlformats.org/presentationml/2006/main">
   <p:cSld>
     <p:spTree>
@@ -46939,91 +47314,6 @@
           </a:graphicData>
         </a:graphic>
       </p:graphicFrame>
-    </p:spTree>
-  </p:cSld>
-  <p:clrMapOvr>
-    <a:masterClrMapping/>
-  </p:clrMapOvr>
-  <p:transition>
-    <p:fade thruBlk="1"/>
-  </p:transition>
-  <p:timing>
-    <p:tnLst>
-      <p:par>
-        <p:cTn id="1" dur="indefinite" restart="never" nodeType="tmRoot"/>
-      </p:par>
-    </p:tnLst>
-  </p:timing>
-</p:sld>
-</file>
-
-<file path=ppt/slides/slide9.xml><?xml version="1.0" encoding="utf-8"?>
-<p:sld xmlns:a="http://schemas.openxmlformats.org/drawingml/2006/main" xmlns:r="http://schemas.openxmlformats.org/officeDocument/2006/relationships" xmlns:p="http://schemas.openxmlformats.org/presentationml/2006/main">
-  <p:cSld>
-    <p:spTree>
-      <p:nvGrpSpPr>
-        <p:cNvPr id="1" name=""/>
-        <p:cNvGrpSpPr/>
-        <p:nvPr/>
-      </p:nvGrpSpPr>
-      <p:grpSpPr>
-        <a:xfrm>
-          <a:off x="0" y="0"/>
-          <a:ext cx="0" cy="0"/>
-          <a:chOff x="0" y="0"/>
-          <a:chExt cx="0" cy="0"/>
-        </a:xfrm>
-      </p:grpSpPr>
-      <p:graphicFrame>
-        <p:nvGraphicFramePr>
-          <p:cNvPr id="4" name="Content Placeholder 3"/>
-          <p:cNvGraphicFramePr>
-            <a:graphicFrameLocks noGrp="1"/>
-          </p:cNvGraphicFramePr>
-          <p:nvPr>
-            <p:ph idx="1"/>
-          </p:nvPr>
-        </p:nvGraphicFramePr>
-        <p:xfrm>
-          <a:off x="457200" y="1143000"/>
-          <a:ext cx="8153400" cy="5181599"/>
-        </p:xfrm>
-        <a:graphic>
-          <a:graphicData uri="http://schemas.openxmlformats.org/drawingml/2006/diagram">
-            <dgm:relIds xmlns:dgm="http://schemas.openxmlformats.org/drawingml/2006/diagram" xmlns:r="http://schemas.openxmlformats.org/officeDocument/2006/relationships" r:dm="rId2" r:lo="rId3" r:qs="rId4" r:cs="rId5"/>
-          </a:graphicData>
-        </a:graphic>
-      </p:graphicFrame>
-      <p:sp>
-        <p:nvSpPr>
-          <p:cNvPr id="6" name="Title 1"/>
-          <p:cNvSpPr>
-            <a:spLocks noGrp="1"/>
-          </p:cNvSpPr>
-          <p:nvPr>
-            <p:ph type="title"/>
-          </p:nvPr>
-        </p:nvSpPr>
-        <p:spPr>
-          <a:xfrm>
-            <a:off x="457200" y="274638"/>
-            <a:ext cx="8229600" cy="1143000"/>
-          </a:xfrm>
-        </p:spPr>
-        <p:txBody>
-          <a:bodyPr>
-            <a:normAutofit/>
-          </a:bodyPr>
-          <a:lstStyle/>
-          <a:p>
-            <a:r>
-              <a:rPr lang="en-US" altLang="zh-CN" sz="3600" b="1" dirty="0" smtClean="0"/>
-              <a:t>Nonfunctional Requirements</a:t>
-            </a:r>
-            <a:endParaRPr lang="zh-CN" altLang="en-US" sz="3600" b="1" dirty="0"/>
-          </a:p>
-        </p:txBody>
-      </p:sp>
     </p:spTree>
   </p:cSld>
   <p:clrMapOvr>

--- a/LCO_Brief_Placeholder/Deliverables/lco-briefing.pptx
+++ b/LCO_Brief_Placeholder/Deliverables/lco-briefing.pptx
@@ -16085,12 +16085,8 @@
         <a:lstStyle/>
         <a:p>
           <a:r>
-            <a:rPr lang="en-US" smtClean="0"/>
-            <a:t>Much like the process at the end of each phase, requirements will be assessed at the end and all throughout the iterations until release. </a:t>
-          </a:r>
-          <a:r>
             <a:rPr lang="en-US" dirty="0" smtClean="0"/>
-            <a:t>If changes in requirements are required mid iteration they will be addressed when needed. </a:t>
+            <a:t>Much like the process at the end of each phase, requirements will be assessed at the end and all throughout the iterations until release. If changes in requirements are required mid iteration they will be addressed when needed. </a:t>
           </a:r>
           <a:endParaRPr lang="en-US" dirty="0"/>
         </a:p>
@@ -21895,12 +21891,8 @@
             <a:buChar char="••"/>
           </a:pPr>
           <a:r>
-            <a:rPr lang="en-US" sz="2300" kern="1200" smtClean="0"/>
-            <a:t>Much like the process at the end of each phase, requirements will be assessed at the end and all throughout the iterations until release. </a:t>
-          </a:r>
-          <a:r>
             <a:rPr lang="en-US" sz="2300" kern="1200" dirty="0" smtClean="0"/>
-            <a:t>If changes in requirements are required mid iteration they will be addressed when needed. </a:t>
+            <a:t>Much like the process at the end of each phase, requirements will be assessed at the end and all throughout the iterations until release. If changes in requirements are required mid iteration they will be addressed when needed. </a:t>
           </a:r>
           <a:endParaRPr lang="en-US" sz="2300" kern="1200" dirty="0"/>
         </a:p>
@@ -41469,7 +41461,11 @@
             </a:r>
             <a:r>
               <a:rPr lang="en-US" baseline="0" dirty="0" smtClean="0"/>
-              <a:t> are people at school who have done android development for databases (Mike Weaver, Craig Williams, Dominic)</a:t>
+              <a:t> are people at school who have done android development for databases (Mike Weaver, Craig Williams, Dominic); Google is changing rules, regulations, and implementations. May cost money to use Google Maps API, possible </a:t>
+            </a:r>
+            <a:r>
+              <a:rPr lang="en-US" baseline="0" smtClean="0"/>
+              <a:t>software cost</a:t>
             </a:r>
             <a:endParaRPr lang="en-US" dirty="0"/>
           </a:p>

--- a/LCO_Brief_Placeholder/Deliverables/lco-briefing.pptx
+++ b/LCO_Brief_Placeholder/Deliverables/lco-briefing.pptx
@@ -12838,7 +12838,7 @@
   <dgm:whole/>
   <dgm:extLst>
     <a:ext uri="http://schemas.microsoft.com/office/drawing/2008/diagram">
-      <dsp:dataModelExt xmlns:dsp="http://schemas.microsoft.com/office/drawing/2008/diagram" xmlns="" relId="rId6" minVer="http://schemas.openxmlformats.org/drawingml/2006/diagram"/>
+      <dsp:dataModelExt xmlns:dsp="http://schemas.microsoft.com/office/drawing/2008/diagram" xmlns="" relId="rId7" minVer="http://schemas.openxmlformats.org/drawingml/2006/diagram"/>
     </a:ext>
   </dgm:extLst>
 </dgm:dataModel>
@@ -14150,7 +14150,7 @@
   <dgm:whole/>
   <dgm:extLst>
     <a:ext uri="http://schemas.microsoft.com/office/drawing/2008/diagram">
-      <dsp:dataModelExt xmlns:dsp="http://schemas.microsoft.com/office/drawing/2008/diagram" xmlns="" relId="rId6" minVer="http://schemas.openxmlformats.org/drawingml/2006/diagram"/>
+      <dsp:dataModelExt xmlns:dsp="http://schemas.microsoft.com/office/drawing/2008/diagram" xmlns="" relId="rId7" minVer="http://schemas.openxmlformats.org/drawingml/2006/diagram"/>
     </a:ext>
   </dgm:extLst>
 </dgm:dataModel>
@@ -40443,6 +40443,129 @@
           <a:bodyPr/>
           <a:lstStyle/>
           <a:p>
+            <a:fld id="{5424D3AD-BB66-4F5C-B866-4C2123CD4EDA}" type="slidenum">
+              <a:rPr lang="en-US"/>
+              <a:pPr/>
+              <a:t>13</a:t>
+            </a:fld>
+            <a:endParaRPr lang="en-US"/>
+          </a:p>
+        </p:txBody>
+      </p:sp>
+      <p:sp>
+        <p:nvSpPr>
+          <p:cNvPr id="22529" name="Rectangle 1"/>
+          <p:cNvSpPr txBox="1">
+            <a:spLocks noGrp="1" noRot="1" noChangeAspect="1" noChangeArrowheads="1"/>
+          </p:cNvSpPr>
+          <p:nvPr>
+            <p:ph type="sldImg"/>
+          </p:nvPr>
+        </p:nvSpPr>
+        <p:spPr bwMode="auto">
+          <a:xfrm>
+            <a:off x="1143000" y="693738"/>
+            <a:ext cx="4572000" cy="3429000"/>
+          </a:xfrm>
+          <a:prstGeom prst="rect">
+            <a:avLst/>
+          </a:prstGeom>
+          <a:solidFill>
+            <a:srgbClr val="FFFFFF"/>
+          </a:solidFill>
+          <a:ln>
+            <a:solidFill>
+              <a:srgbClr val="000000"/>
+            </a:solidFill>
+            <a:miter lim="800000"/>
+            <a:headEnd/>
+            <a:tailEnd/>
+          </a:ln>
+        </p:spPr>
+      </p:sp>
+      <p:sp>
+        <p:nvSpPr>
+          <p:cNvPr id="22530" name="Rectangle 2"/>
+          <p:cNvSpPr txBox="1">
+            <a:spLocks noGrp="1" noChangeArrowheads="1"/>
+          </p:cNvSpPr>
+          <p:nvPr>
+            <p:ph type="body" idx="1"/>
+          </p:nvPr>
+        </p:nvSpPr>
+        <p:spPr bwMode="auto">
+          <a:xfrm>
+            <a:off x="686360" y="4342535"/>
+            <a:ext cx="5486681" cy="4114511"/>
+          </a:xfrm>
+          <a:prstGeom prst="rect">
+            <a:avLst/>
+          </a:prstGeom>
+          <a:noFill/>
+          <a:ln>
+            <a:round/>
+            <a:headEnd/>
+            <a:tailEnd/>
+          </a:ln>
+        </p:spPr>
+        <p:txBody>
+          <a:bodyPr wrap="none" anchor="ctr"/>
+          <a:lstStyle/>
+          <a:p>
+            <a:endParaRPr lang="en-US"/>
+          </a:p>
+        </p:txBody>
+      </p:sp>
+    </p:spTree>
+  </p:cSld>
+  <p:clrMapOvr>
+    <a:masterClrMapping/>
+  </p:clrMapOvr>
+</p:notes>
+</file>
+
+<file path=ppt/notesSlides/notesSlide11.xml><?xml version="1.0" encoding="utf-8"?>
+<p:notes xmlns:a="http://schemas.openxmlformats.org/drawingml/2006/main" xmlns:r="http://schemas.openxmlformats.org/officeDocument/2006/relationships" xmlns:p="http://schemas.openxmlformats.org/presentationml/2006/main">
+  <p:cSld>
+    <p:bg>
+      <p:bgPr>
+        <a:solidFill>
+          <a:srgbClr val="FFFFFF"/>
+        </a:solidFill>
+        <a:effectLst/>
+      </p:bgPr>
+    </p:bg>
+    <p:spTree>
+      <p:nvGrpSpPr>
+        <p:cNvPr id="1" name=""/>
+        <p:cNvGrpSpPr/>
+        <p:nvPr/>
+      </p:nvGrpSpPr>
+      <p:grpSpPr>
+        <a:xfrm>
+          <a:off x="0" y="0"/>
+          <a:ext cx="0" cy="0"/>
+          <a:chOff x="0" y="0"/>
+          <a:chExt cx="0" cy="0"/>
+        </a:xfrm>
+      </p:grpSpPr>
+      <p:sp>
+        <p:nvSpPr>
+          <p:cNvPr id="7" name="Rectangle 6"/>
+          <p:cNvSpPr>
+            <a:spLocks noGrp="1" noChangeArrowheads="1"/>
+          </p:cNvSpPr>
+          <p:nvPr>
+            <p:ph type="sldNum"/>
+          </p:nvPr>
+        </p:nvSpPr>
+        <p:spPr>
+          <a:ln/>
+        </p:spPr>
+        <p:txBody>
+          <a:bodyPr/>
+          <a:lstStyle/>
+          <a:p>
             <a:fld id="{84F354D4-1058-47E6-822B-B270E01C7F3F}" type="slidenum">
               <a:rPr lang="en-US"/>
               <a:pPr/>
@@ -40512,7 +40635,15 @@
           <a:bodyPr wrap="none" anchor="ctr"/>
           <a:lstStyle/>
           <a:p>
-            <a:endParaRPr lang="en-US"/>
+            <a:r>
+              <a:rPr lang="en-US" dirty="0" smtClean="0"/>
+              <a:t>Extra cost: $20 for Google</a:t>
+            </a:r>
+            <a:r>
+              <a:rPr lang="en-US" baseline="0" dirty="0" smtClean="0"/>
+              <a:t> App market admission (optional, one time charge)</a:t>
+            </a:r>
+            <a:endParaRPr lang="en-US" dirty="0"/>
           </a:p>
         </p:txBody>
       </p:sp>
@@ -40524,7 +40655,7 @@
 </p:notes>
 </file>
 
-<file path=ppt/notesSlides/notesSlide11.xml><?xml version="1.0" encoding="utf-8"?>
+<file path=ppt/notesSlides/notesSlide12.xml><?xml version="1.0" encoding="utf-8"?>
 <p:notes xmlns:a="http://schemas.openxmlformats.org/drawingml/2006/main" xmlns:r="http://schemas.openxmlformats.org/officeDocument/2006/relationships" xmlns:p="http://schemas.openxmlformats.org/presentationml/2006/main">
   <p:cSld>
     <p:bg>
@@ -40635,7 +40766,15 @@
           <a:bodyPr wrap="none" anchor="ctr"/>
           <a:lstStyle/>
           <a:p>
-            <a:endParaRPr lang="en-US"/>
+            <a:r>
+              <a:rPr lang="en-US" dirty="0" smtClean="0"/>
+              <a:t>Goal for database: manage bus location (have structure), simulate passenger</a:t>
+            </a:r>
+            <a:r>
+              <a:rPr lang="en-US" baseline="0" dirty="0" smtClean="0"/>
+              <a:t> info (have info in db), have methods to populate DB</a:t>
+            </a:r>
+            <a:endParaRPr lang="en-US" dirty="0"/>
           </a:p>
         </p:txBody>
       </p:sp>
@@ -40647,7 +40786,7 @@
 </p:notes>
 </file>
 
-<file path=ppt/notesSlides/notesSlide12.xml><?xml version="1.0" encoding="utf-8"?>
+<file path=ppt/notesSlides/notesSlide13.xml><?xml version="1.0" encoding="utf-8"?>
 <p:notes xmlns:a="http://schemas.openxmlformats.org/drawingml/2006/main" xmlns:r="http://schemas.openxmlformats.org/officeDocument/2006/relationships" xmlns:p="http://schemas.openxmlformats.org/presentationml/2006/main">
   <p:cSld>
     <p:bg>
@@ -40758,7 +40897,15 @@
           <a:bodyPr wrap="none" anchor="ctr"/>
           <a:lstStyle/>
           <a:p>
-            <a:endParaRPr lang="en-US"/>
+            <a:r>
+              <a:rPr lang="en-US" dirty="0" smtClean="0"/>
+              <a:t>Good use cases for</a:t>
+            </a:r>
+            <a:r>
+              <a:rPr lang="en-US" baseline="0" dirty="0" smtClean="0"/>
+              <a:t> second presentation: check bus status, check passenger load. Do happy path for use cases, system  sequence diagrams, use case realizations, update domain model</a:t>
+            </a:r>
+            <a:endParaRPr lang="en-US" dirty="0"/>
           </a:p>
         </p:txBody>
       </p:sp>
@@ -40770,7 +40917,7 @@
 </p:notes>
 </file>
 
-<file path=ppt/notesSlides/notesSlide13.xml><?xml version="1.0" encoding="utf-8"?>
+<file path=ppt/notesSlides/notesSlide14.xml><?xml version="1.0" encoding="utf-8"?>
 <p:notes xmlns:a="http://schemas.openxmlformats.org/drawingml/2006/main" xmlns:r="http://schemas.openxmlformats.org/officeDocument/2006/relationships" xmlns:p="http://schemas.openxmlformats.org/presentationml/2006/main">
   <p:cSld>
     <p:bg>
@@ -40881,6 +41028,100 @@
           <a:bodyPr wrap="none" anchor="ctr"/>
           <a:lstStyle/>
           <a:p>
+            <a:endParaRPr lang="en-US"/>
+          </a:p>
+        </p:txBody>
+      </p:sp>
+    </p:spTree>
+  </p:cSld>
+  <p:clrMapOvr>
+    <a:masterClrMapping/>
+  </p:clrMapOvr>
+</p:notes>
+</file>
+
+<file path=ppt/notesSlides/notesSlide15.xml><?xml version="1.0" encoding="utf-8"?>
+<p:notes xmlns:a="http://schemas.openxmlformats.org/drawingml/2006/main" xmlns:r="http://schemas.openxmlformats.org/officeDocument/2006/relationships" xmlns:p="http://schemas.openxmlformats.org/presentationml/2006/main">
+  <p:cSld>
+    <p:spTree>
+      <p:nvGrpSpPr>
+        <p:cNvPr id="1" name=""/>
+        <p:cNvGrpSpPr/>
+        <p:nvPr/>
+      </p:nvGrpSpPr>
+      <p:grpSpPr>
+        <a:xfrm>
+          <a:off x="0" y="0"/>
+          <a:ext cx="0" cy="0"/>
+          <a:chOff x="0" y="0"/>
+          <a:chExt cx="0" cy="0"/>
+        </a:xfrm>
+      </p:grpSpPr>
+      <p:sp>
+        <p:nvSpPr>
+          <p:cNvPr id="2" name="Slide Image Placeholder 1"/>
+          <p:cNvSpPr>
+            <a:spLocks noGrp="1" noRot="1" noChangeAspect="1"/>
+          </p:cNvSpPr>
+          <p:nvPr>
+            <p:ph type="sldImg"/>
+          </p:nvPr>
+        </p:nvSpPr>
+        <p:spPr/>
+      </p:sp>
+      <p:sp>
+        <p:nvSpPr>
+          <p:cNvPr id="3" name="Notes Placeholder 2"/>
+          <p:cNvSpPr>
+            <a:spLocks noGrp="1"/>
+          </p:cNvSpPr>
+          <p:nvPr>
+            <p:ph type="body" idx="1"/>
+          </p:nvPr>
+        </p:nvSpPr>
+        <p:spPr/>
+        <p:txBody>
+          <a:bodyPr>
+            <a:normAutofit/>
+          </a:bodyPr>
+          <a:lstStyle/>
+          <a:p>
+            <a:r>
+              <a:rPr lang="en-US" dirty="0" smtClean="0"/>
+              <a:t>Next</a:t>
+            </a:r>
+            <a:r>
+              <a:rPr lang="en-US" baseline="0" dirty="0" smtClean="0"/>
+              <a:t> iteration: Do not flush out brief use cases. Flush out and implement (via code and use case realization) the fully dressed use cases, make causal and fully dressed. Have a candidate architecture. Design class diagrams. This is an elaboration milestone. Artifacts list is on </a:t>
+            </a:r>
+            <a:r>
+              <a:rPr lang="en-US" baseline="0" smtClean="0"/>
+              <a:t>doc sharing.</a:t>
+            </a:r>
+            <a:endParaRPr lang="en-US" dirty="0"/>
+          </a:p>
+        </p:txBody>
+      </p:sp>
+      <p:sp>
+        <p:nvSpPr>
+          <p:cNvPr id="4" name="Slide Number Placeholder 3"/>
+          <p:cNvSpPr>
+            <a:spLocks noGrp="1"/>
+          </p:cNvSpPr>
+          <p:nvPr>
+            <p:ph type="sldNum" sz="quarter" idx="10"/>
+          </p:nvPr>
+        </p:nvSpPr>
+        <p:spPr/>
+        <p:txBody>
+          <a:bodyPr/>
+          <a:lstStyle/>
+          <a:p>
+            <a:fld id="{D2C20754-2859-45A8-8015-4CC934F73286}" type="slidenum">
+              <a:rPr lang="en-US" smtClean="0"/>
+              <a:pPr/>
+              <a:t>20</a:t>
+            </a:fld>
             <a:endParaRPr lang="en-US"/>
           </a:p>
         </p:txBody>
@@ -41184,7 +41425,11 @@
           <a:bodyPr wrap="none" anchor="ctr"/>
           <a:lstStyle/>
           <a:p>
-            <a:endParaRPr lang="en-US"/>
+            <a:r>
+              <a:rPr lang="en-US" dirty="0" smtClean="0"/>
+              <a:t>All ovals should go in a system box</a:t>
+            </a:r>
+            <a:endParaRPr lang="en-US" dirty="0"/>
           </a:p>
         </p:txBody>
       </p:sp>
@@ -41367,11 +41612,35 @@
           <a:p>
             <a:r>
               <a:rPr lang="en-US" dirty="0" smtClean="0"/>
-              <a:t>Want rider to be able to rely on this, so base</a:t>
+              <a:t>How often does map need to update? How often does bus location need to update?</a:t>
+            </a:r>
+          </a:p>
+          <a:p>
+            <a:r>
+              <a:rPr lang="en-US" dirty="0" err="1" smtClean="0"/>
+              <a:t>Checkbus</a:t>
+            </a:r>
+            <a:r>
+              <a:rPr lang="en-US" dirty="0" smtClean="0"/>
+              <a:t> status-only needed for final code </a:t>
+            </a:r>
+          </a:p>
+          <a:p>
+            <a:r>
+              <a:rPr lang="en-US" dirty="0" smtClean="0"/>
+              <a:t>Deliverable</a:t>
             </a:r>
             <a:r>
               <a:rPr lang="en-US" baseline="0" dirty="0" smtClean="0"/>
-              <a:t> MTBF off this, exact info will be given by McDonald</a:t>
+              <a:t> code – doesn’t need a GUI, needs a backend, make it function, query database and get last bus left time and next bus arrival time, print to terminal, make sure deliverable code works in a simulated </a:t>
+            </a:r>
+            <a:r>
+              <a:rPr lang="en-US" baseline="0" dirty="0" err="1" smtClean="0"/>
+              <a:t>envrionment</a:t>
+            </a:r>
+            <a:r>
+              <a:rPr lang="en-US" baseline="0" dirty="0" smtClean="0"/>
+              <a:t> </a:t>
             </a:r>
             <a:endParaRPr lang="en-US" dirty="0"/>
           </a:p>
@@ -41395,7 +41664,7 @@
             <a:fld id="{D2C20754-2859-45A8-8015-4CC934F73286}" type="slidenum">
               <a:rPr lang="en-US" smtClean="0"/>
               <a:pPr/>
-              <a:t>10</a:t>
+              <a:t>9</a:t>
             </a:fld>
             <a:endParaRPr lang="en-US"/>
           </a:p>
@@ -41457,15 +41726,101 @@
           <a:p>
             <a:r>
               <a:rPr lang="en-US" dirty="0" smtClean="0"/>
+              <a:t>Want rider to be able to rely on this, so base</a:t>
+            </a:r>
+            <a:r>
+              <a:rPr lang="en-US" baseline="0" dirty="0" smtClean="0"/>
+              <a:t> MTBF off this, exact info will be given by McDonald</a:t>
+            </a:r>
+            <a:endParaRPr lang="en-US" dirty="0"/>
+          </a:p>
+        </p:txBody>
+      </p:sp>
+      <p:sp>
+        <p:nvSpPr>
+          <p:cNvPr id="4" name="Slide Number Placeholder 3"/>
+          <p:cNvSpPr>
+            <a:spLocks noGrp="1"/>
+          </p:cNvSpPr>
+          <p:nvPr>
+            <p:ph type="sldNum" sz="quarter" idx="10"/>
+          </p:nvPr>
+        </p:nvSpPr>
+        <p:spPr/>
+        <p:txBody>
+          <a:bodyPr/>
+          <a:lstStyle/>
+          <a:p>
+            <a:fld id="{D2C20754-2859-45A8-8015-4CC934F73286}" type="slidenum">
+              <a:rPr lang="en-US" smtClean="0"/>
+              <a:pPr/>
+              <a:t>10</a:t>
+            </a:fld>
+            <a:endParaRPr lang="en-US"/>
+          </a:p>
+        </p:txBody>
+      </p:sp>
+    </p:spTree>
+  </p:cSld>
+  <p:clrMapOvr>
+    <a:masterClrMapping/>
+  </p:clrMapOvr>
+</p:notes>
+</file>
+
+<file path=ppt/notesSlides/notesSlide8.xml><?xml version="1.0" encoding="utf-8"?>
+<p:notes xmlns:a="http://schemas.openxmlformats.org/drawingml/2006/main" xmlns:r="http://schemas.openxmlformats.org/officeDocument/2006/relationships" xmlns:p="http://schemas.openxmlformats.org/presentationml/2006/main">
+  <p:cSld>
+    <p:spTree>
+      <p:nvGrpSpPr>
+        <p:cNvPr id="1" name=""/>
+        <p:cNvGrpSpPr/>
+        <p:nvPr/>
+      </p:nvGrpSpPr>
+      <p:grpSpPr>
+        <a:xfrm>
+          <a:off x="0" y="0"/>
+          <a:ext cx="0" cy="0"/>
+          <a:chOff x="0" y="0"/>
+          <a:chExt cx="0" cy="0"/>
+        </a:xfrm>
+      </p:grpSpPr>
+      <p:sp>
+        <p:nvSpPr>
+          <p:cNvPr id="2" name="Slide Image Placeholder 1"/>
+          <p:cNvSpPr>
+            <a:spLocks noGrp="1" noRot="1" noChangeAspect="1"/>
+          </p:cNvSpPr>
+          <p:nvPr>
+            <p:ph type="sldImg"/>
+          </p:nvPr>
+        </p:nvSpPr>
+        <p:spPr/>
+      </p:sp>
+      <p:sp>
+        <p:nvSpPr>
+          <p:cNvPr id="3" name="Notes Placeholder 2"/>
+          <p:cNvSpPr>
+            <a:spLocks noGrp="1"/>
+          </p:cNvSpPr>
+          <p:nvPr>
+            <p:ph type="body" idx="1"/>
+          </p:nvPr>
+        </p:nvSpPr>
+        <p:spPr/>
+        <p:txBody>
+          <a:bodyPr>
+            <a:normAutofit/>
+          </a:bodyPr>
+          <a:lstStyle/>
+          <a:p>
+            <a:r>
+              <a:rPr lang="en-US" dirty="0" smtClean="0"/>
               <a:t>There</a:t>
             </a:r>
             <a:r>
               <a:rPr lang="en-US" baseline="0" dirty="0" smtClean="0"/>
-              <a:t> are people at school who have done android development for databases (Mike Weaver, Craig Williams, Dominic); Google is changing rules, regulations, and implementations. May cost money to use Google Maps API, possible </a:t>
-            </a:r>
-            <a:r>
-              <a:rPr lang="en-US" baseline="0" smtClean="0"/>
-              <a:t>software cost</a:t>
+              <a:t> are people at school who have done android development for databases (Mike Weaver, Craig Williams, Dominic); Google is changing rules, regulations, and implementations. May cost money to use Google Maps API, possible software cost</a:t>
             </a:r>
             <a:endParaRPr lang="en-US" dirty="0"/>
           </a:p>
@@ -41503,7 +41858,7 @@
 </p:notes>
 </file>
 
-<file path=ppt/notesSlides/notesSlide8.xml><?xml version="1.0" encoding="utf-8"?>
+<file path=ppt/notesSlides/notesSlide9.xml><?xml version="1.0" encoding="utf-8"?>
 <p:notes xmlns:a="http://schemas.openxmlformats.org/drawingml/2006/main" xmlns:r="http://schemas.openxmlformats.org/officeDocument/2006/relationships" xmlns:p="http://schemas.openxmlformats.org/presentationml/2006/main">
   <p:cSld>
     <p:spTree>
@@ -41589,129 +41944,6 @@
               <a:pPr/>
               <a:t>12</a:t>
             </a:fld>
-            <a:endParaRPr lang="en-US"/>
-          </a:p>
-        </p:txBody>
-      </p:sp>
-    </p:spTree>
-  </p:cSld>
-  <p:clrMapOvr>
-    <a:masterClrMapping/>
-  </p:clrMapOvr>
-</p:notes>
-</file>
-
-<file path=ppt/notesSlides/notesSlide9.xml><?xml version="1.0" encoding="utf-8"?>
-<p:notes xmlns:a="http://schemas.openxmlformats.org/drawingml/2006/main" xmlns:r="http://schemas.openxmlformats.org/officeDocument/2006/relationships" xmlns:p="http://schemas.openxmlformats.org/presentationml/2006/main">
-  <p:cSld>
-    <p:bg>
-      <p:bgPr>
-        <a:solidFill>
-          <a:srgbClr val="FFFFFF"/>
-        </a:solidFill>
-        <a:effectLst/>
-      </p:bgPr>
-    </p:bg>
-    <p:spTree>
-      <p:nvGrpSpPr>
-        <p:cNvPr id="1" name=""/>
-        <p:cNvGrpSpPr/>
-        <p:nvPr/>
-      </p:nvGrpSpPr>
-      <p:grpSpPr>
-        <a:xfrm>
-          <a:off x="0" y="0"/>
-          <a:ext cx="0" cy="0"/>
-          <a:chOff x="0" y="0"/>
-          <a:chExt cx="0" cy="0"/>
-        </a:xfrm>
-      </p:grpSpPr>
-      <p:sp>
-        <p:nvSpPr>
-          <p:cNvPr id="7" name="Rectangle 6"/>
-          <p:cNvSpPr>
-            <a:spLocks noGrp="1" noChangeArrowheads="1"/>
-          </p:cNvSpPr>
-          <p:nvPr>
-            <p:ph type="sldNum"/>
-          </p:nvPr>
-        </p:nvSpPr>
-        <p:spPr>
-          <a:ln/>
-        </p:spPr>
-        <p:txBody>
-          <a:bodyPr/>
-          <a:lstStyle/>
-          <a:p>
-            <a:fld id="{5424D3AD-BB66-4F5C-B866-4C2123CD4EDA}" type="slidenum">
-              <a:rPr lang="en-US"/>
-              <a:pPr/>
-              <a:t>13</a:t>
-            </a:fld>
-            <a:endParaRPr lang="en-US"/>
-          </a:p>
-        </p:txBody>
-      </p:sp>
-      <p:sp>
-        <p:nvSpPr>
-          <p:cNvPr id="22529" name="Rectangle 1"/>
-          <p:cNvSpPr txBox="1">
-            <a:spLocks noGrp="1" noRot="1" noChangeAspect="1" noChangeArrowheads="1"/>
-          </p:cNvSpPr>
-          <p:nvPr>
-            <p:ph type="sldImg"/>
-          </p:nvPr>
-        </p:nvSpPr>
-        <p:spPr bwMode="auto">
-          <a:xfrm>
-            <a:off x="1143000" y="693738"/>
-            <a:ext cx="4572000" cy="3429000"/>
-          </a:xfrm>
-          <a:prstGeom prst="rect">
-            <a:avLst/>
-          </a:prstGeom>
-          <a:solidFill>
-            <a:srgbClr val="FFFFFF"/>
-          </a:solidFill>
-          <a:ln>
-            <a:solidFill>
-              <a:srgbClr val="000000"/>
-            </a:solidFill>
-            <a:miter lim="800000"/>
-            <a:headEnd/>
-            <a:tailEnd/>
-          </a:ln>
-        </p:spPr>
-      </p:sp>
-      <p:sp>
-        <p:nvSpPr>
-          <p:cNvPr id="22530" name="Rectangle 2"/>
-          <p:cNvSpPr txBox="1">
-            <a:spLocks noGrp="1" noChangeArrowheads="1"/>
-          </p:cNvSpPr>
-          <p:nvPr>
-            <p:ph type="body" idx="1"/>
-          </p:nvPr>
-        </p:nvSpPr>
-        <p:spPr bwMode="auto">
-          <a:xfrm>
-            <a:off x="686360" y="4342535"/>
-            <a:ext cx="5486681" cy="4114511"/>
-          </a:xfrm>
-          <a:prstGeom prst="rect">
-            <a:avLst/>
-          </a:prstGeom>
-          <a:noFill/>
-          <a:ln>
-            <a:round/>
-            <a:headEnd/>
-            <a:tailEnd/>
-          </a:ln>
-        </p:spPr>
-        <p:txBody>
-          <a:bodyPr wrap="none" anchor="ctr"/>
-          <a:lstStyle/>
-          <a:p>
             <a:endParaRPr lang="en-US"/>
           </a:p>
         </p:txBody>
@@ -46171,7 +46403,7 @@
         </p:xfrm>
         <a:graphic>
           <a:graphicData uri="http://schemas.openxmlformats.org/drawingml/2006/diagram">
-            <dgm:relIds xmlns:dgm="http://schemas.openxmlformats.org/drawingml/2006/diagram" xmlns:r="http://schemas.openxmlformats.org/officeDocument/2006/relationships" r:dm="rId2" r:lo="rId3" r:qs="rId4" r:cs="rId5"/>
+            <dgm:relIds xmlns:dgm="http://schemas.openxmlformats.org/drawingml/2006/diagram" xmlns:r="http://schemas.openxmlformats.org/officeDocument/2006/relationships" r:dm="rId3" r:lo="rId4" r:qs="rId5" r:cs="rId6"/>
           </a:graphicData>
         </a:graphic>
       </p:graphicFrame>
@@ -47306,7 +47538,7 @@
         </p:xfrm>
         <a:graphic>
           <a:graphicData uri="http://schemas.openxmlformats.org/drawingml/2006/diagram">
-            <dgm:relIds xmlns:dgm="http://schemas.openxmlformats.org/drawingml/2006/diagram" xmlns:r="http://schemas.openxmlformats.org/officeDocument/2006/relationships" r:dm="rId2" r:lo="rId3" r:qs="rId4" r:cs="rId5"/>
+            <dgm:relIds xmlns:dgm="http://schemas.openxmlformats.org/drawingml/2006/diagram" xmlns:r="http://schemas.openxmlformats.org/officeDocument/2006/relationships" r:dm="rId3" r:lo="rId4" r:qs="rId5" r:cs="rId6"/>
           </a:graphicData>
         </a:graphic>
       </p:graphicFrame>
